--- a/2019/5月/1605.pptx
+++ b/2019/5月/1605.pptx
@@ -8,12 +8,24 @@
     <p:sldId id="256" r:id="rId2"/>
     <p:sldId id="257" r:id="rId3"/>
     <p:sldId id="258" r:id="rId4"/>
-    <p:sldId id="259" r:id="rId5"/>
-    <p:sldId id="260" r:id="rId6"/>
-    <p:sldId id="261" r:id="rId7"/>
-    <p:sldId id="262" r:id="rId8"/>
-    <p:sldId id="263" r:id="rId9"/>
-    <p:sldId id="264" r:id="rId10"/>
+    <p:sldId id="265" r:id="rId5"/>
+    <p:sldId id="266" r:id="rId6"/>
+    <p:sldId id="259" r:id="rId7"/>
+    <p:sldId id="260" r:id="rId8"/>
+    <p:sldId id="261" r:id="rId9"/>
+    <p:sldId id="267" r:id="rId10"/>
+    <p:sldId id="268" r:id="rId11"/>
+    <p:sldId id="269" r:id="rId12"/>
+    <p:sldId id="270" r:id="rId13"/>
+    <p:sldId id="271" r:id="rId14"/>
+    <p:sldId id="272" r:id="rId15"/>
+    <p:sldId id="273" r:id="rId16"/>
+    <p:sldId id="274" r:id="rId17"/>
+    <p:sldId id="262" r:id="rId18"/>
+    <p:sldId id="263" r:id="rId19"/>
+    <p:sldId id="276" r:id="rId20"/>
+    <p:sldId id="275" r:id="rId21"/>
+    <p:sldId id="264" r:id="rId22"/>
   </p:sldIdLst>
   <p:sldSz cx="9144000" cy="6858000" type="screen4x3"/>
   <p:notesSz cx="6858000" cy="9144000"/>
@@ -297,7 +309,7 @@
             <a:fld id="{0D8F5F08-8D8A-4CD5-BB11-CC28F1791CBD}" type="datetimeFigureOut">
               <a:rPr lang="zh-TW" altLang="en-US" smtClean="0"/>
               <a:pPr/>
-              <a:t>2019/5/7</a:t>
+              <a:t>2019/5/14</a:t>
             </a:fld>
             <a:endParaRPr lang="zh-TW" altLang="en-US"/>
           </a:p>
@@ -464,7 +476,7 @@
             <a:fld id="{0D8F5F08-8D8A-4CD5-BB11-CC28F1791CBD}" type="datetimeFigureOut">
               <a:rPr lang="zh-TW" altLang="en-US" smtClean="0"/>
               <a:pPr/>
-              <a:t>2019/5/7</a:t>
+              <a:t>2019/5/14</a:t>
             </a:fld>
             <a:endParaRPr lang="zh-TW" altLang="en-US"/>
           </a:p>
@@ -641,7 +653,7 @@
             <a:fld id="{0D8F5F08-8D8A-4CD5-BB11-CC28F1791CBD}" type="datetimeFigureOut">
               <a:rPr lang="zh-TW" altLang="en-US" smtClean="0"/>
               <a:pPr/>
-              <a:t>2019/5/7</a:t>
+              <a:t>2019/5/14</a:t>
             </a:fld>
             <a:endParaRPr lang="zh-TW" altLang="en-US"/>
           </a:p>
@@ -808,7 +820,7 @@
             <a:fld id="{0D8F5F08-8D8A-4CD5-BB11-CC28F1791CBD}" type="datetimeFigureOut">
               <a:rPr lang="zh-TW" altLang="en-US" smtClean="0"/>
               <a:pPr/>
-              <a:t>2019/5/7</a:t>
+              <a:t>2019/5/14</a:t>
             </a:fld>
             <a:endParaRPr lang="zh-TW" altLang="en-US"/>
           </a:p>
@@ -1051,7 +1063,7 @@
             <a:fld id="{0D8F5F08-8D8A-4CD5-BB11-CC28F1791CBD}" type="datetimeFigureOut">
               <a:rPr lang="zh-TW" altLang="en-US" smtClean="0"/>
               <a:pPr/>
-              <a:t>2019/5/7</a:t>
+              <a:t>2019/5/14</a:t>
             </a:fld>
             <a:endParaRPr lang="zh-TW" altLang="en-US"/>
           </a:p>
@@ -1336,7 +1348,7 @@
             <a:fld id="{0D8F5F08-8D8A-4CD5-BB11-CC28F1791CBD}" type="datetimeFigureOut">
               <a:rPr lang="zh-TW" altLang="en-US" smtClean="0"/>
               <a:pPr/>
-              <a:t>2019/5/7</a:t>
+              <a:t>2019/5/14</a:t>
             </a:fld>
             <a:endParaRPr lang="zh-TW" altLang="en-US"/>
           </a:p>
@@ -1755,7 +1767,7 @@
             <a:fld id="{0D8F5F08-8D8A-4CD5-BB11-CC28F1791CBD}" type="datetimeFigureOut">
               <a:rPr lang="zh-TW" altLang="en-US" smtClean="0"/>
               <a:pPr/>
-              <a:t>2019/5/7</a:t>
+              <a:t>2019/5/14</a:t>
             </a:fld>
             <a:endParaRPr lang="zh-TW" altLang="en-US"/>
           </a:p>
@@ -1870,7 +1882,7 @@
             <a:fld id="{0D8F5F08-8D8A-4CD5-BB11-CC28F1791CBD}" type="datetimeFigureOut">
               <a:rPr lang="zh-TW" altLang="en-US" smtClean="0"/>
               <a:pPr/>
-              <a:t>2019/5/7</a:t>
+              <a:t>2019/5/14</a:t>
             </a:fld>
             <a:endParaRPr lang="zh-TW" altLang="en-US"/>
           </a:p>
@@ -1962,7 +1974,7 @@
             <a:fld id="{0D8F5F08-8D8A-4CD5-BB11-CC28F1791CBD}" type="datetimeFigureOut">
               <a:rPr lang="zh-TW" altLang="en-US" smtClean="0"/>
               <a:pPr/>
-              <a:t>2019/5/7</a:t>
+              <a:t>2019/5/14</a:t>
             </a:fld>
             <a:endParaRPr lang="zh-TW" altLang="en-US"/>
           </a:p>
@@ -2236,7 +2248,7 @@
             <a:fld id="{0D8F5F08-8D8A-4CD5-BB11-CC28F1791CBD}" type="datetimeFigureOut">
               <a:rPr lang="zh-TW" altLang="en-US" smtClean="0"/>
               <a:pPr/>
-              <a:t>2019/5/7</a:t>
+              <a:t>2019/5/14</a:t>
             </a:fld>
             <a:endParaRPr lang="zh-TW" altLang="en-US"/>
           </a:p>
@@ -2490,7 +2502,7 @@
             <a:fld id="{0D8F5F08-8D8A-4CD5-BB11-CC28F1791CBD}" type="datetimeFigureOut">
               <a:rPr lang="zh-TW" altLang="en-US" smtClean="0"/>
               <a:pPr/>
-              <a:t>2019/5/7</a:t>
+              <a:t>2019/5/14</a:t>
             </a:fld>
             <a:endParaRPr lang="zh-TW" altLang="en-US"/>
           </a:p>
@@ -2705,7 +2717,7 @@
             <a:fld id="{0D8F5F08-8D8A-4CD5-BB11-CC28F1791CBD}" type="datetimeFigureOut">
               <a:rPr lang="zh-TW" altLang="en-US" smtClean="0"/>
               <a:pPr/>
-              <a:t>2019/5/7</a:t>
+              <a:t>2019/5/14</a:t>
             </a:fld>
             <a:endParaRPr lang="zh-TW" altLang="en-US"/>
           </a:p>
@@ -3278,6 +3290,2153 @@
 </p:sld>
 </file>
 
+<file path=ppt/slides/slide10.xml><?xml version="1.0" encoding="utf-8"?>
+<p:sld xmlns:a="http://schemas.openxmlformats.org/drawingml/2006/main" xmlns:r="http://schemas.openxmlformats.org/officeDocument/2006/relationships" xmlns:p="http://schemas.openxmlformats.org/presentationml/2006/main">
+  <p:cSld>
+    <p:spTree>
+      <p:nvGrpSpPr>
+        <p:cNvPr id="1" name=""/>
+        <p:cNvGrpSpPr/>
+        <p:nvPr/>
+      </p:nvGrpSpPr>
+      <p:grpSpPr>
+        <a:xfrm>
+          <a:off x="0" y="0"/>
+          <a:ext cx="0" cy="0"/>
+          <a:chOff x="0" y="0"/>
+          <a:chExt cx="0" cy="0"/>
+        </a:xfrm>
+      </p:grpSpPr>
+      <p:sp>
+        <p:nvSpPr>
+          <p:cNvPr id="2" name="標題 1"/>
+          <p:cNvSpPr>
+            <a:spLocks noGrp="1"/>
+          </p:cNvSpPr>
+          <p:nvPr>
+            <p:ph type="title"/>
+          </p:nvPr>
+        </p:nvSpPr>
+        <p:spPr/>
+        <p:txBody>
+          <a:bodyPr/>
+          <a:lstStyle/>
+          <a:p>
+            <a:r>
+              <a:rPr lang="zh-TW" altLang="en-US" b="1" dirty="0">
+                <a:solidFill>
+                  <a:srgbClr val="660033"/>
+                </a:solidFill>
+                <a:latin typeface="微軟正黑體" pitchFamily="34" charset="-120"/>
+                <a:ea typeface="微軟正黑體" pitchFamily="34" charset="-120"/>
+              </a:rPr>
+              <a:t>禱告的大軍</a:t>
+            </a:r>
+          </a:p>
+        </p:txBody>
+      </p:sp>
+      <p:sp>
+        <p:nvSpPr>
+          <p:cNvPr id="3" name="內容版面配置區 2"/>
+          <p:cNvSpPr>
+            <a:spLocks noGrp="1"/>
+          </p:cNvSpPr>
+          <p:nvPr>
+            <p:ph idx="1"/>
+          </p:nvPr>
+        </p:nvSpPr>
+        <p:spPr/>
+        <p:txBody>
+          <a:bodyPr anchor="ctr">
+            <a:noAutofit/>
+          </a:bodyPr>
+          <a:lstStyle/>
+          <a:p>
+            <a:pPr algn="ctr">
+              <a:buNone/>
+            </a:pPr>
+            <a:r>
+              <a:rPr lang="zh-TW" altLang="en-US" sz="5400" b="1" dirty="0">
+                <a:solidFill>
+                  <a:srgbClr val="660033"/>
+                </a:solidFill>
+                <a:latin typeface="微軟正黑體" pitchFamily="34" charset="-120"/>
+                <a:ea typeface="微軟正黑體" pitchFamily="34" charset="-120"/>
+              </a:rPr>
+              <a:t>大聲呼</a:t>
+            </a:r>
+            <a:r>
+              <a:rPr lang="zh-TW" altLang="en-US" sz="5400" b="1" dirty="0" smtClean="0">
+                <a:solidFill>
+                  <a:srgbClr val="660033"/>
+                </a:solidFill>
+                <a:latin typeface="微軟正黑體" pitchFamily="34" charset="-120"/>
+                <a:ea typeface="微軟正黑體" pitchFamily="34" charset="-120"/>
+              </a:rPr>
+              <a:t>求  永不放棄</a:t>
+            </a:r>
+            <a:endParaRPr lang="en-US" altLang="zh-TW" sz="5400" b="1" dirty="0" smtClean="0">
+              <a:solidFill>
+                <a:srgbClr val="660033"/>
+              </a:solidFill>
+              <a:latin typeface="微軟正黑體" pitchFamily="34" charset="-120"/>
+              <a:ea typeface="微軟正黑體" pitchFamily="34" charset="-120"/>
+            </a:endParaRPr>
+          </a:p>
+          <a:p>
+            <a:pPr algn="ctr">
+              <a:buNone/>
+            </a:pPr>
+            <a:r>
+              <a:rPr lang="zh-TW" altLang="en-US" sz="5400" b="1" dirty="0" smtClean="0">
+                <a:solidFill>
+                  <a:srgbClr val="660033"/>
+                </a:solidFill>
+                <a:latin typeface="微軟正黑體" pitchFamily="34" charset="-120"/>
+                <a:ea typeface="微軟正黑體" pitchFamily="34" charset="-120"/>
+              </a:rPr>
+              <a:t>清晨夜晚  徹夜守望</a:t>
+            </a:r>
+            <a:endParaRPr lang="en-US" altLang="zh-TW" sz="5400" b="1" dirty="0" smtClean="0">
+              <a:solidFill>
+                <a:srgbClr val="660033"/>
+              </a:solidFill>
+              <a:latin typeface="微軟正黑體" pitchFamily="34" charset="-120"/>
+              <a:ea typeface="微軟正黑體" pitchFamily="34" charset="-120"/>
+            </a:endParaRPr>
+          </a:p>
+          <a:p>
+            <a:pPr algn="ctr">
+              <a:buNone/>
+            </a:pPr>
+            <a:r>
+              <a:rPr lang="zh-TW" altLang="en-US" sz="5400" b="1" dirty="0" smtClean="0">
+                <a:solidFill>
+                  <a:srgbClr val="660033"/>
+                </a:solidFill>
+                <a:latin typeface="微軟正黑體" pitchFamily="34" charset="-120"/>
+                <a:ea typeface="微軟正黑體" pitchFamily="34" charset="-120"/>
+              </a:rPr>
+              <a:t>將</a:t>
+            </a:r>
+            <a:r>
+              <a:rPr lang="zh-TW" altLang="en-US" sz="5400" b="1" dirty="0">
+                <a:solidFill>
+                  <a:srgbClr val="660033"/>
+                </a:solidFill>
+                <a:latin typeface="微軟正黑體" pitchFamily="34" charset="-120"/>
+                <a:ea typeface="微軟正黑體" pitchFamily="34" charset="-120"/>
+              </a:rPr>
+              <a:t>你心意釋放這</a:t>
+            </a:r>
+            <a:r>
+              <a:rPr lang="zh-TW" altLang="en-US" sz="5400" b="1" dirty="0" smtClean="0">
+                <a:solidFill>
+                  <a:srgbClr val="660033"/>
+                </a:solidFill>
+                <a:latin typeface="微軟正黑體" pitchFamily="34" charset="-120"/>
+                <a:ea typeface="微軟正黑體" pitchFamily="34" charset="-120"/>
+              </a:rPr>
+              <a:t>世代</a:t>
+            </a:r>
+            <a:endParaRPr lang="zh-TW" altLang="en-US" sz="5400" b="1" dirty="0">
+              <a:solidFill>
+                <a:srgbClr val="660033"/>
+              </a:solidFill>
+              <a:latin typeface="微軟正黑體" pitchFamily="34" charset="-120"/>
+              <a:ea typeface="微軟正黑體" pitchFamily="34" charset="-120"/>
+            </a:endParaRPr>
+          </a:p>
+        </p:txBody>
+      </p:sp>
+    </p:spTree>
+  </p:cSld>
+  <p:clrMapOvr>
+    <a:masterClrMapping/>
+  </p:clrMapOvr>
+  <p:timing>
+    <p:tnLst>
+      <p:par>
+        <p:cTn id="1" dur="indefinite" restart="never" nodeType="tmRoot"/>
+      </p:par>
+    </p:tnLst>
+  </p:timing>
+</p:sld>
+</file>
+
+<file path=ppt/slides/slide11.xml><?xml version="1.0" encoding="utf-8"?>
+<p:sld xmlns:a="http://schemas.openxmlformats.org/drawingml/2006/main" xmlns:r="http://schemas.openxmlformats.org/officeDocument/2006/relationships" xmlns:p="http://schemas.openxmlformats.org/presentationml/2006/main">
+  <p:cSld>
+    <p:spTree>
+      <p:nvGrpSpPr>
+        <p:cNvPr id="1" name=""/>
+        <p:cNvGrpSpPr/>
+        <p:nvPr/>
+      </p:nvGrpSpPr>
+      <p:grpSpPr>
+        <a:xfrm>
+          <a:off x="0" y="0"/>
+          <a:ext cx="0" cy="0"/>
+          <a:chOff x="0" y="0"/>
+          <a:chExt cx="0" cy="0"/>
+        </a:xfrm>
+      </p:grpSpPr>
+      <p:sp>
+        <p:nvSpPr>
+          <p:cNvPr id="2" name="標題 1"/>
+          <p:cNvSpPr>
+            <a:spLocks noGrp="1"/>
+          </p:cNvSpPr>
+          <p:nvPr>
+            <p:ph type="title"/>
+          </p:nvPr>
+        </p:nvSpPr>
+        <p:spPr/>
+        <p:txBody>
+          <a:bodyPr/>
+          <a:lstStyle/>
+          <a:p>
+            <a:r>
+              <a:rPr lang="zh-TW" altLang="en-US" b="1" dirty="0">
+                <a:solidFill>
+                  <a:srgbClr val="660033"/>
+                </a:solidFill>
+                <a:latin typeface="微軟正黑體" pitchFamily="34" charset="-120"/>
+                <a:ea typeface="微軟正黑體" pitchFamily="34" charset="-120"/>
+              </a:rPr>
+              <a:t>禱告的大軍</a:t>
+            </a:r>
+          </a:p>
+        </p:txBody>
+      </p:sp>
+      <p:sp>
+        <p:nvSpPr>
+          <p:cNvPr id="3" name="內容版面配置區 2"/>
+          <p:cNvSpPr>
+            <a:spLocks noGrp="1"/>
+          </p:cNvSpPr>
+          <p:nvPr>
+            <p:ph idx="1"/>
+          </p:nvPr>
+        </p:nvSpPr>
+        <p:spPr/>
+        <p:txBody>
+          <a:bodyPr anchor="ctr">
+            <a:noAutofit/>
+          </a:bodyPr>
+          <a:lstStyle/>
+          <a:p>
+            <a:pPr algn="ctr">
+              <a:buNone/>
+            </a:pPr>
+            <a:r>
+              <a:rPr lang="zh-TW" altLang="en-US" sz="5400" b="1" dirty="0" smtClean="0">
+                <a:solidFill>
+                  <a:srgbClr val="660033"/>
+                </a:solidFill>
+                <a:latin typeface="微軟正黑體" pitchFamily="34" charset="-120"/>
+                <a:ea typeface="微軟正黑體" pitchFamily="34" charset="-120"/>
+              </a:rPr>
+              <a:t>大聲</a:t>
+            </a:r>
+            <a:r>
+              <a:rPr lang="zh-TW" altLang="en-US" sz="5400" b="1" dirty="0">
+                <a:solidFill>
+                  <a:srgbClr val="660033"/>
+                </a:solidFill>
+                <a:latin typeface="微軟正黑體" pitchFamily="34" charset="-120"/>
+                <a:ea typeface="微軟正黑體" pitchFamily="34" charset="-120"/>
+              </a:rPr>
+              <a:t>呼</a:t>
+            </a:r>
+            <a:r>
+              <a:rPr lang="zh-TW" altLang="en-US" sz="5400" b="1" dirty="0" smtClean="0">
+                <a:solidFill>
+                  <a:srgbClr val="660033"/>
+                </a:solidFill>
+                <a:latin typeface="微軟正黑體" pitchFamily="34" charset="-120"/>
+                <a:ea typeface="微軟正黑體" pitchFamily="34" charset="-120"/>
+              </a:rPr>
+              <a:t>求  永不放棄</a:t>
+            </a:r>
+            <a:endParaRPr lang="en-US" altLang="zh-TW" sz="5400" b="1" dirty="0" smtClean="0">
+              <a:solidFill>
+                <a:srgbClr val="660033"/>
+              </a:solidFill>
+              <a:latin typeface="微軟正黑體" pitchFamily="34" charset="-120"/>
+              <a:ea typeface="微軟正黑體" pitchFamily="34" charset="-120"/>
+            </a:endParaRPr>
+          </a:p>
+          <a:p>
+            <a:pPr algn="ctr">
+              <a:buNone/>
+            </a:pPr>
+            <a:r>
+              <a:rPr lang="zh-TW" altLang="en-US" sz="5400" b="1" dirty="0" smtClean="0">
+                <a:solidFill>
+                  <a:srgbClr val="660033"/>
+                </a:solidFill>
+                <a:latin typeface="微軟正黑體" pitchFamily="34" charset="-120"/>
+                <a:ea typeface="微軟正黑體" pitchFamily="34" charset="-120"/>
+              </a:rPr>
+              <a:t>清晨夜晚  徹夜守望</a:t>
+            </a:r>
+            <a:endParaRPr lang="en-US" altLang="zh-TW" sz="5400" b="1" dirty="0" smtClean="0">
+              <a:solidFill>
+                <a:srgbClr val="660033"/>
+              </a:solidFill>
+              <a:latin typeface="微軟正黑體" pitchFamily="34" charset="-120"/>
+              <a:ea typeface="微軟正黑體" pitchFamily="34" charset="-120"/>
+            </a:endParaRPr>
+          </a:p>
+          <a:p>
+            <a:pPr algn="ctr">
+              <a:buNone/>
+            </a:pPr>
+            <a:r>
+              <a:rPr lang="zh-TW" altLang="en-US" sz="5400" b="1" dirty="0" smtClean="0">
+                <a:solidFill>
+                  <a:srgbClr val="660033"/>
+                </a:solidFill>
+                <a:latin typeface="微軟正黑體" pitchFamily="34" charset="-120"/>
+                <a:ea typeface="微軟正黑體" pitchFamily="34" charset="-120"/>
+              </a:rPr>
+              <a:t>向</a:t>
+            </a:r>
+            <a:r>
+              <a:rPr lang="zh-TW" altLang="en-US" sz="5400" b="1" dirty="0">
+                <a:solidFill>
+                  <a:srgbClr val="660033"/>
+                </a:solidFill>
+                <a:latin typeface="微軟正黑體" pitchFamily="34" charset="-120"/>
+                <a:ea typeface="微軟正黑體" pitchFamily="34" charset="-120"/>
+              </a:rPr>
+              <a:t>你求耶利米的</a:t>
+            </a:r>
+            <a:r>
+              <a:rPr lang="zh-TW" altLang="en-US" sz="5400" b="1" dirty="0" smtClean="0">
+                <a:solidFill>
+                  <a:srgbClr val="660033"/>
+                </a:solidFill>
+                <a:latin typeface="微軟正黑體" pitchFamily="34" charset="-120"/>
+                <a:ea typeface="微軟正黑體" pitchFamily="34" charset="-120"/>
+              </a:rPr>
+              <a:t>心</a:t>
+            </a:r>
+            <a:endParaRPr lang="zh-TW" altLang="en-US" sz="5400" b="1" dirty="0">
+              <a:solidFill>
+                <a:srgbClr val="660033"/>
+              </a:solidFill>
+              <a:latin typeface="微軟正黑體" pitchFamily="34" charset="-120"/>
+              <a:ea typeface="微軟正黑體" pitchFamily="34" charset="-120"/>
+            </a:endParaRPr>
+          </a:p>
+        </p:txBody>
+      </p:sp>
+    </p:spTree>
+  </p:cSld>
+  <p:clrMapOvr>
+    <a:masterClrMapping/>
+  </p:clrMapOvr>
+  <p:timing>
+    <p:tnLst>
+      <p:par>
+        <p:cTn id="1" dur="indefinite" restart="never" nodeType="tmRoot"/>
+      </p:par>
+    </p:tnLst>
+  </p:timing>
+</p:sld>
+</file>
+
+<file path=ppt/slides/slide12.xml><?xml version="1.0" encoding="utf-8"?>
+<p:sld xmlns:a="http://schemas.openxmlformats.org/drawingml/2006/main" xmlns:r="http://schemas.openxmlformats.org/officeDocument/2006/relationships" xmlns:p="http://schemas.openxmlformats.org/presentationml/2006/main">
+  <p:cSld>
+    <p:spTree>
+      <p:nvGrpSpPr>
+        <p:cNvPr id="1" name=""/>
+        <p:cNvGrpSpPr/>
+        <p:nvPr/>
+      </p:nvGrpSpPr>
+      <p:grpSpPr>
+        <a:xfrm>
+          <a:off x="0" y="0"/>
+          <a:ext cx="0" cy="0"/>
+          <a:chOff x="0" y="0"/>
+          <a:chExt cx="0" cy="0"/>
+        </a:xfrm>
+      </p:grpSpPr>
+      <p:sp>
+        <p:nvSpPr>
+          <p:cNvPr id="2" name="標題 1"/>
+          <p:cNvSpPr>
+            <a:spLocks noGrp="1"/>
+          </p:cNvSpPr>
+          <p:nvPr>
+            <p:ph type="title"/>
+          </p:nvPr>
+        </p:nvSpPr>
+        <p:spPr/>
+        <p:txBody>
+          <a:bodyPr/>
+          <a:lstStyle/>
+          <a:p>
+            <a:r>
+              <a:rPr lang="zh-TW" altLang="en-US" b="1" dirty="0">
+                <a:solidFill>
+                  <a:srgbClr val="660033"/>
+                </a:solidFill>
+                <a:latin typeface="微軟正黑體" pitchFamily="34" charset="-120"/>
+                <a:ea typeface="微軟正黑體" pitchFamily="34" charset="-120"/>
+              </a:rPr>
+              <a:t>禱告的大軍</a:t>
+            </a:r>
+          </a:p>
+        </p:txBody>
+      </p:sp>
+      <p:sp>
+        <p:nvSpPr>
+          <p:cNvPr id="3" name="內容版面配置區 2"/>
+          <p:cNvSpPr>
+            <a:spLocks noGrp="1"/>
+          </p:cNvSpPr>
+          <p:nvPr>
+            <p:ph idx="1"/>
+          </p:nvPr>
+        </p:nvSpPr>
+        <p:spPr/>
+        <p:txBody>
+          <a:bodyPr anchor="ctr">
+            <a:noAutofit/>
+          </a:bodyPr>
+          <a:lstStyle/>
+          <a:p>
+            <a:pPr algn="ctr">
+              <a:buNone/>
+            </a:pPr>
+            <a:r>
+              <a:rPr lang="zh-TW" altLang="en-US" sz="5400" b="1" dirty="0">
+                <a:solidFill>
+                  <a:srgbClr val="660033"/>
+                </a:solidFill>
+                <a:latin typeface="微軟正黑體" pitchFamily="34" charset="-120"/>
+                <a:ea typeface="微軟正黑體" pitchFamily="34" charset="-120"/>
+              </a:rPr>
+              <a:t>大聲呼</a:t>
+            </a:r>
+            <a:r>
+              <a:rPr lang="zh-TW" altLang="en-US" sz="5400" b="1" dirty="0" smtClean="0">
+                <a:solidFill>
+                  <a:srgbClr val="660033"/>
+                </a:solidFill>
+                <a:latin typeface="微軟正黑體" pitchFamily="34" charset="-120"/>
+                <a:ea typeface="微軟正黑體" pitchFamily="34" charset="-120"/>
+              </a:rPr>
+              <a:t>求  永不放棄</a:t>
+            </a:r>
+            <a:endParaRPr lang="en-US" altLang="zh-TW" sz="5400" b="1" dirty="0" smtClean="0">
+              <a:solidFill>
+                <a:srgbClr val="660033"/>
+              </a:solidFill>
+              <a:latin typeface="微軟正黑體" pitchFamily="34" charset="-120"/>
+              <a:ea typeface="微軟正黑體" pitchFamily="34" charset="-120"/>
+            </a:endParaRPr>
+          </a:p>
+          <a:p>
+            <a:pPr algn="ctr">
+              <a:buNone/>
+            </a:pPr>
+            <a:r>
+              <a:rPr lang="zh-TW" altLang="en-US" sz="5400" b="1" dirty="0" smtClean="0">
+                <a:solidFill>
+                  <a:srgbClr val="660033"/>
+                </a:solidFill>
+                <a:latin typeface="微軟正黑體" pitchFamily="34" charset="-120"/>
+                <a:ea typeface="微軟正黑體" pitchFamily="34" charset="-120"/>
+              </a:rPr>
+              <a:t>清晨夜晚  徹夜守望</a:t>
+            </a:r>
+            <a:endParaRPr lang="en-US" altLang="zh-TW" sz="5400" b="1" dirty="0" smtClean="0">
+              <a:solidFill>
+                <a:srgbClr val="660033"/>
+              </a:solidFill>
+              <a:latin typeface="微軟正黑體" pitchFamily="34" charset="-120"/>
+              <a:ea typeface="微軟正黑體" pitchFamily="34" charset="-120"/>
+            </a:endParaRPr>
+          </a:p>
+          <a:p>
+            <a:pPr algn="ctr">
+              <a:buNone/>
+            </a:pPr>
+            <a:r>
+              <a:rPr lang="zh-TW" altLang="en-US" sz="5400" b="1" dirty="0" smtClean="0">
+                <a:solidFill>
+                  <a:srgbClr val="660033"/>
+                </a:solidFill>
+                <a:latin typeface="微軟正黑體" pitchFamily="34" charset="-120"/>
+                <a:ea typeface="微軟正黑體" pitchFamily="34" charset="-120"/>
+              </a:rPr>
+              <a:t>將</a:t>
+            </a:r>
+            <a:r>
+              <a:rPr lang="zh-TW" altLang="en-US" sz="5400" b="1" dirty="0">
+                <a:solidFill>
+                  <a:srgbClr val="660033"/>
+                </a:solidFill>
+                <a:latin typeface="微軟正黑體" pitchFamily="34" charset="-120"/>
+                <a:ea typeface="微軟正黑體" pitchFamily="34" charset="-120"/>
+              </a:rPr>
+              <a:t>你心意釋放這</a:t>
+            </a:r>
+            <a:r>
+              <a:rPr lang="zh-TW" altLang="en-US" sz="5400" b="1" dirty="0" smtClean="0">
+                <a:solidFill>
+                  <a:srgbClr val="660033"/>
+                </a:solidFill>
+                <a:latin typeface="微軟正黑體" pitchFamily="34" charset="-120"/>
+                <a:ea typeface="微軟正黑體" pitchFamily="34" charset="-120"/>
+              </a:rPr>
+              <a:t>世代</a:t>
+            </a:r>
+            <a:endParaRPr lang="zh-TW" altLang="en-US" sz="5400" b="1" dirty="0">
+              <a:solidFill>
+                <a:srgbClr val="660033"/>
+              </a:solidFill>
+              <a:latin typeface="微軟正黑體" pitchFamily="34" charset="-120"/>
+              <a:ea typeface="微軟正黑體" pitchFamily="34" charset="-120"/>
+            </a:endParaRPr>
+          </a:p>
+        </p:txBody>
+      </p:sp>
+    </p:spTree>
+  </p:cSld>
+  <p:clrMapOvr>
+    <a:masterClrMapping/>
+  </p:clrMapOvr>
+  <p:timing>
+    <p:tnLst>
+      <p:par>
+        <p:cTn id="1" dur="indefinite" restart="never" nodeType="tmRoot"/>
+      </p:par>
+    </p:tnLst>
+  </p:timing>
+</p:sld>
+</file>
+
+<file path=ppt/slides/slide13.xml><?xml version="1.0" encoding="utf-8"?>
+<p:sld xmlns:a="http://schemas.openxmlformats.org/drawingml/2006/main" xmlns:r="http://schemas.openxmlformats.org/officeDocument/2006/relationships" xmlns:p="http://schemas.openxmlformats.org/presentationml/2006/main">
+  <p:cSld>
+    <p:spTree>
+      <p:nvGrpSpPr>
+        <p:cNvPr id="1" name=""/>
+        <p:cNvGrpSpPr/>
+        <p:nvPr/>
+      </p:nvGrpSpPr>
+      <p:grpSpPr>
+        <a:xfrm>
+          <a:off x="0" y="0"/>
+          <a:ext cx="0" cy="0"/>
+          <a:chOff x="0" y="0"/>
+          <a:chExt cx="0" cy="0"/>
+        </a:xfrm>
+      </p:grpSpPr>
+      <p:sp>
+        <p:nvSpPr>
+          <p:cNvPr id="2" name="標題 1"/>
+          <p:cNvSpPr>
+            <a:spLocks noGrp="1"/>
+          </p:cNvSpPr>
+          <p:nvPr>
+            <p:ph type="title"/>
+          </p:nvPr>
+        </p:nvSpPr>
+        <p:spPr/>
+        <p:txBody>
+          <a:bodyPr/>
+          <a:lstStyle/>
+          <a:p>
+            <a:r>
+              <a:rPr lang="zh-TW" altLang="en-US" b="1" dirty="0">
+                <a:solidFill>
+                  <a:srgbClr val="660033"/>
+                </a:solidFill>
+                <a:latin typeface="微軟正黑體" pitchFamily="34" charset="-120"/>
+                <a:ea typeface="微軟正黑體" pitchFamily="34" charset="-120"/>
+              </a:rPr>
+              <a:t>禱告的大軍</a:t>
+            </a:r>
+          </a:p>
+        </p:txBody>
+      </p:sp>
+      <p:sp>
+        <p:nvSpPr>
+          <p:cNvPr id="3" name="內容版面配置區 2"/>
+          <p:cNvSpPr>
+            <a:spLocks noGrp="1"/>
+          </p:cNvSpPr>
+          <p:nvPr>
+            <p:ph idx="1"/>
+          </p:nvPr>
+        </p:nvSpPr>
+        <p:spPr/>
+        <p:txBody>
+          <a:bodyPr anchor="ctr">
+            <a:noAutofit/>
+          </a:bodyPr>
+          <a:lstStyle/>
+          <a:p>
+            <a:pPr algn="ctr">
+              <a:buNone/>
+            </a:pPr>
+            <a:r>
+              <a:rPr lang="zh-TW" altLang="en-US" sz="5400" b="1" dirty="0">
+                <a:solidFill>
+                  <a:srgbClr val="660033"/>
+                </a:solidFill>
+                <a:latin typeface="微軟正黑體" pitchFamily="34" charset="-120"/>
+                <a:ea typeface="微軟正黑體" pitchFamily="34" charset="-120"/>
+              </a:rPr>
+              <a:t>願你興起禱告的</a:t>
+            </a:r>
+            <a:r>
+              <a:rPr lang="zh-TW" altLang="en-US" sz="5400" b="1" dirty="0" smtClean="0">
+                <a:solidFill>
+                  <a:srgbClr val="660033"/>
+                </a:solidFill>
+                <a:latin typeface="微軟正黑體" pitchFamily="34" charset="-120"/>
+                <a:ea typeface="微軟正黑體" pitchFamily="34" charset="-120"/>
+              </a:rPr>
+              <a:t>大軍</a:t>
+            </a:r>
+            <a:endParaRPr lang="en-US" altLang="zh-TW" sz="5400" b="1" dirty="0" smtClean="0">
+              <a:solidFill>
+                <a:srgbClr val="660033"/>
+              </a:solidFill>
+              <a:latin typeface="微軟正黑體" pitchFamily="34" charset="-120"/>
+              <a:ea typeface="微軟正黑體" pitchFamily="34" charset="-120"/>
+            </a:endParaRPr>
+          </a:p>
+          <a:p>
+            <a:pPr algn="ctr">
+              <a:buNone/>
+            </a:pPr>
+            <a:r>
+              <a:rPr lang="zh-TW" altLang="en-US" sz="5400" b="1" dirty="0" smtClean="0">
+                <a:solidFill>
+                  <a:srgbClr val="660033"/>
+                </a:solidFill>
+                <a:latin typeface="微軟正黑體" pitchFamily="34" charset="-120"/>
+                <a:ea typeface="微軟正黑體" pitchFamily="34" charset="-120"/>
+              </a:rPr>
+              <a:t>按</a:t>
+            </a:r>
+            <a:r>
+              <a:rPr lang="zh-TW" altLang="en-US" sz="5400" b="1" dirty="0">
+                <a:solidFill>
+                  <a:srgbClr val="660033"/>
+                </a:solidFill>
+                <a:latin typeface="微軟正黑體" pitchFamily="34" charset="-120"/>
+                <a:ea typeface="微軟正黑體" pitchFamily="34" charset="-120"/>
+              </a:rPr>
+              <a:t>著你心意舉手代</a:t>
+            </a:r>
+            <a:r>
+              <a:rPr lang="zh-TW" altLang="en-US" sz="5400" b="1" dirty="0" smtClean="0">
+                <a:solidFill>
+                  <a:srgbClr val="660033"/>
+                </a:solidFill>
+                <a:latin typeface="微軟正黑體" pitchFamily="34" charset="-120"/>
+                <a:ea typeface="微軟正黑體" pitchFamily="34" charset="-120"/>
+              </a:rPr>
+              <a:t>求</a:t>
+            </a:r>
+            <a:endParaRPr lang="en-US" altLang="zh-TW" sz="5400" b="1" dirty="0" smtClean="0">
+              <a:solidFill>
+                <a:srgbClr val="660033"/>
+              </a:solidFill>
+              <a:latin typeface="微軟正黑體" pitchFamily="34" charset="-120"/>
+              <a:ea typeface="微軟正黑體" pitchFamily="34" charset="-120"/>
+            </a:endParaRPr>
+          </a:p>
+          <a:p>
+            <a:pPr algn="ctr">
+              <a:buNone/>
+            </a:pPr>
+            <a:r>
+              <a:rPr lang="zh-TW" altLang="en-US" sz="5400" b="1" dirty="0" smtClean="0">
+                <a:solidFill>
+                  <a:srgbClr val="660033"/>
+                </a:solidFill>
+                <a:latin typeface="微軟正黑體" pitchFamily="34" charset="-120"/>
+                <a:ea typeface="微軟正黑體" pitchFamily="34" charset="-120"/>
+              </a:rPr>
+              <a:t>站</a:t>
+            </a:r>
+            <a:r>
+              <a:rPr lang="zh-TW" altLang="en-US" sz="5400" b="1" dirty="0">
+                <a:solidFill>
+                  <a:srgbClr val="660033"/>
+                </a:solidFill>
+                <a:latin typeface="微軟正黑體" pitchFamily="34" charset="-120"/>
+                <a:ea typeface="微軟正黑體" pitchFamily="34" charset="-120"/>
+              </a:rPr>
+              <a:t>在你的應許</a:t>
+            </a:r>
+            <a:r>
+              <a:rPr lang="zh-TW" altLang="en-US" sz="5400" b="1" dirty="0" smtClean="0">
+                <a:solidFill>
+                  <a:srgbClr val="660033"/>
+                </a:solidFill>
+                <a:latin typeface="微軟正黑體" pitchFamily="34" charset="-120"/>
+                <a:ea typeface="微軟正黑體" pitchFamily="34" charset="-120"/>
+              </a:rPr>
+              <a:t>中</a:t>
+            </a:r>
+            <a:endParaRPr lang="en-US" altLang="zh-TW" sz="5400" b="1" dirty="0" smtClean="0">
+              <a:solidFill>
+                <a:srgbClr val="660033"/>
+              </a:solidFill>
+              <a:latin typeface="微軟正黑體" pitchFamily="34" charset="-120"/>
+              <a:ea typeface="微軟正黑體" pitchFamily="34" charset="-120"/>
+            </a:endParaRPr>
+          </a:p>
+          <a:p>
+            <a:pPr algn="ctr">
+              <a:buNone/>
+            </a:pPr>
+            <a:r>
+              <a:rPr lang="zh-TW" altLang="en-US" sz="5400" b="1" dirty="0" smtClean="0">
+                <a:solidFill>
+                  <a:srgbClr val="660033"/>
+                </a:solidFill>
+                <a:latin typeface="微軟正黑體" pitchFamily="34" charset="-120"/>
+                <a:ea typeface="微軟正黑體" pitchFamily="34" charset="-120"/>
+              </a:rPr>
+              <a:t>宣告</a:t>
+            </a:r>
+            <a:r>
+              <a:rPr lang="zh-TW" altLang="en-US" sz="5400" b="1" dirty="0">
+                <a:solidFill>
+                  <a:srgbClr val="660033"/>
+                </a:solidFill>
+                <a:latin typeface="微軟正黑體" pitchFamily="34" charset="-120"/>
+                <a:ea typeface="微軟正黑體" pitchFamily="34" charset="-120"/>
+              </a:rPr>
+              <a:t>你國度</a:t>
+            </a:r>
+            <a:r>
+              <a:rPr lang="zh-TW" altLang="en-US" sz="5400" b="1" dirty="0" smtClean="0">
+                <a:solidFill>
+                  <a:srgbClr val="660033"/>
+                </a:solidFill>
+                <a:latin typeface="微軟正黑體" pitchFamily="34" charset="-120"/>
+                <a:ea typeface="微軟正黑體" pitchFamily="34" charset="-120"/>
+              </a:rPr>
+              <a:t>降臨</a:t>
+            </a:r>
+            <a:endParaRPr lang="zh-TW" altLang="en-US" sz="5400" b="1" dirty="0">
+              <a:solidFill>
+                <a:srgbClr val="660033"/>
+              </a:solidFill>
+              <a:latin typeface="微軟正黑體" pitchFamily="34" charset="-120"/>
+              <a:ea typeface="微軟正黑體" pitchFamily="34" charset="-120"/>
+            </a:endParaRPr>
+          </a:p>
+        </p:txBody>
+      </p:sp>
+    </p:spTree>
+  </p:cSld>
+  <p:clrMapOvr>
+    <a:masterClrMapping/>
+  </p:clrMapOvr>
+  <p:timing>
+    <p:tnLst>
+      <p:par>
+        <p:cTn id="1" dur="indefinite" restart="never" nodeType="tmRoot"/>
+      </p:par>
+    </p:tnLst>
+  </p:timing>
+</p:sld>
+</file>
+
+<file path=ppt/slides/slide14.xml><?xml version="1.0" encoding="utf-8"?>
+<p:sld xmlns:a="http://schemas.openxmlformats.org/drawingml/2006/main" xmlns:r="http://schemas.openxmlformats.org/officeDocument/2006/relationships" xmlns:p="http://schemas.openxmlformats.org/presentationml/2006/main">
+  <p:cSld>
+    <p:spTree>
+      <p:nvGrpSpPr>
+        <p:cNvPr id="1" name=""/>
+        <p:cNvGrpSpPr/>
+        <p:nvPr/>
+      </p:nvGrpSpPr>
+      <p:grpSpPr>
+        <a:xfrm>
+          <a:off x="0" y="0"/>
+          <a:ext cx="0" cy="0"/>
+          <a:chOff x="0" y="0"/>
+          <a:chExt cx="0" cy="0"/>
+        </a:xfrm>
+      </p:grpSpPr>
+      <p:sp>
+        <p:nvSpPr>
+          <p:cNvPr id="2" name="標題 1"/>
+          <p:cNvSpPr>
+            <a:spLocks noGrp="1"/>
+          </p:cNvSpPr>
+          <p:nvPr>
+            <p:ph type="title"/>
+          </p:nvPr>
+        </p:nvSpPr>
+        <p:spPr/>
+        <p:txBody>
+          <a:bodyPr/>
+          <a:lstStyle/>
+          <a:p>
+            <a:r>
+              <a:rPr lang="zh-TW" altLang="en-US" b="1" dirty="0">
+                <a:solidFill>
+                  <a:srgbClr val="660033"/>
+                </a:solidFill>
+                <a:latin typeface="微軟正黑體" pitchFamily="34" charset="-120"/>
+                <a:ea typeface="微軟正黑體" pitchFamily="34" charset="-120"/>
+              </a:rPr>
+              <a:t>禱告的大軍</a:t>
+            </a:r>
+          </a:p>
+        </p:txBody>
+      </p:sp>
+      <p:sp>
+        <p:nvSpPr>
+          <p:cNvPr id="3" name="內容版面配置區 2"/>
+          <p:cNvSpPr>
+            <a:spLocks noGrp="1"/>
+          </p:cNvSpPr>
+          <p:nvPr>
+            <p:ph idx="1"/>
+          </p:nvPr>
+        </p:nvSpPr>
+        <p:spPr/>
+        <p:txBody>
+          <a:bodyPr anchor="ctr">
+            <a:noAutofit/>
+          </a:bodyPr>
+          <a:lstStyle/>
+          <a:p>
+            <a:pPr algn="ctr">
+              <a:buNone/>
+            </a:pPr>
+            <a:r>
+              <a:rPr lang="zh-TW" altLang="en-US" sz="5400" b="1" dirty="0">
+                <a:solidFill>
+                  <a:srgbClr val="660033"/>
+                </a:solidFill>
+                <a:latin typeface="微軟正黑體" pitchFamily="34" charset="-120"/>
+                <a:ea typeface="微軟正黑體" pitchFamily="34" charset="-120"/>
+              </a:rPr>
+              <a:t>願你興起守望的</a:t>
+            </a:r>
+            <a:r>
+              <a:rPr lang="zh-TW" altLang="en-US" sz="5400" b="1" dirty="0" smtClean="0">
+                <a:solidFill>
+                  <a:srgbClr val="660033"/>
+                </a:solidFill>
+                <a:latin typeface="微軟正黑體" pitchFamily="34" charset="-120"/>
+                <a:ea typeface="微軟正黑體" pitchFamily="34" charset="-120"/>
+              </a:rPr>
+              <a:t>大軍</a:t>
+            </a:r>
+            <a:endParaRPr lang="en-US" altLang="zh-TW" sz="5400" b="1" dirty="0" smtClean="0">
+              <a:solidFill>
+                <a:srgbClr val="660033"/>
+              </a:solidFill>
+              <a:latin typeface="微軟正黑體" pitchFamily="34" charset="-120"/>
+              <a:ea typeface="微軟正黑體" pitchFamily="34" charset="-120"/>
+            </a:endParaRPr>
+          </a:p>
+          <a:p>
+            <a:pPr algn="ctr">
+              <a:buNone/>
+            </a:pPr>
+            <a:r>
+              <a:rPr lang="zh-TW" altLang="en-US" sz="5400" b="1" dirty="0" smtClean="0">
+                <a:solidFill>
+                  <a:srgbClr val="660033"/>
+                </a:solidFill>
+                <a:latin typeface="微軟正黑體" pitchFamily="34" charset="-120"/>
+                <a:ea typeface="微軟正黑體" pitchFamily="34" charset="-120"/>
+              </a:rPr>
+              <a:t>帶</a:t>
+            </a:r>
+            <a:r>
+              <a:rPr lang="zh-TW" altLang="en-US" sz="5400" b="1" dirty="0">
+                <a:solidFill>
+                  <a:srgbClr val="660033"/>
+                </a:solidFill>
+                <a:latin typeface="微軟正黑體" pitchFamily="34" charset="-120"/>
+                <a:ea typeface="微軟正黑體" pitchFamily="34" charset="-120"/>
+              </a:rPr>
+              <a:t>著信心堅定抵擋</a:t>
+            </a:r>
+            <a:r>
+              <a:rPr lang="zh-TW" altLang="en-US" sz="5400" b="1" dirty="0" smtClean="0">
+                <a:solidFill>
+                  <a:srgbClr val="660033"/>
+                </a:solidFill>
+                <a:latin typeface="微軟正黑體" pitchFamily="34" charset="-120"/>
+                <a:ea typeface="微軟正黑體" pitchFamily="34" charset="-120"/>
+              </a:rPr>
+              <a:t>仇敵</a:t>
+            </a:r>
+            <a:endParaRPr lang="en-US" altLang="zh-TW" sz="5400" b="1" dirty="0" smtClean="0">
+              <a:solidFill>
+                <a:srgbClr val="660033"/>
+              </a:solidFill>
+              <a:latin typeface="微軟正黑體" pitchFamily="34" charset="-120"/>
+              <a:ea typeface="微軟正黑體" pitchFamily="34" charset="-120"/>
+            </a:endParaRPr>
+          </a:p>
+          <a:p>
+            <a:pPr algn="ctr">
+              <a:buNone/>
+            </a:pPr>
+            <a:r>
+              <a:rPr lang="zh-TW" altLang="en-US" sz="5400" b="1" dirty="0" smtClean="0">
+                <a:solidFill>
+                  <a:srgbClr val="660033"/>
+                </a:solidFill>
+                <a:latin typeface="微軟正黑體" pitchFamily="34" charset="-120"/>
+                <a:ea typeface="微軟正黑體" pitchFamily="34" charset="-120"/>
+              </a:rPr>
+              <a:t>用</a:t>
+            </a:r>
+            <a:r>
+              <a:rPr lang="zh-TW" altLang="en-US" sz="5400" b="1" dirty="0">
+                <a:solidFill>
+                  <a:srgbClr val="660033"/>
+                </a:solidFill>
+                <a:latin typeface="微軟正黑體" pitchFamily="34" charset="-120"/>
+                <a:ea typeface="微軟正黑體" pitchFamily="34" charset="-120"/>
+              </a:rPr>
+              <a:t>你的話語爭</a:t>
+            </a:r>
+            <a:r>
+              <a:rPr lang="zh-TW" altLang="en-US" sz="5400" b="1" dirty="0" smtClean="0">
+                <a:solidFill>
+                  <a:srgbClr val="660033"/>
+                </a:solidFill>
+                <a:latin typeface="微軟正黑體" pitchFamily="34" charset="-120"/>
+                <a:ea typeface="微軟正黑體" pitchFamily="34" charset="-120"/>
+              </a:rPr>
+              <a:t>戰</a:t>
+            </a:r>
+            <a:endParaRPr lang="en-US" altLang="zh-TW" sz="5400" b="1" dirty="0" smtClean="0">
+              <a:solidFill>
+                <a:srgbClr val="660033"/>
+              </a:solidFill>
+              <a:latin typeface="微軟正黑體" pitchFamily="34" charset="-120"/>
+              <a:ea typeface="微軟正黑體" pitchFamily="34" charset="-120"/>
+            </a:endParaRPr>
+          </a:p>
+          <a:p>
+            <a:pPr algn="ctr">
+              <a:buNone/>
+            </a:pPr>
+            <a:r>
+              <a:rPr lang="zh-TW" altLang="en-US" sz="5400" b="1" dirty="0" smtClean="0">
+                <a:solidFill>
+                  <a:srgbClr val="660033"/>
+                </a:solidFill>
+                <a:latin typeface="微軟正黑體" pitchFamily="34" charset="-120"/>
+                <a:ea typeface="微軟正黑體" pitchFamily="34" charset="-120"/>
+              </a:rPr>
+              <a:t>宣告</a:t>
+            </a:r>
+            <a:r>
+              <a:rPr lang="zh-TW" altLang="en-US" sz="5400" b="1" dirty="0">
+                <a:solidFill>
+                  <a:srgbClr val="660033"/>
+                </a:solidFill>
+                <a:latin typeface="微軟正黑體" pitchFamily="34" charset="-120"/>
+                <a:ea typeface="微軟正黑體" pitchFamily="34" charset="-120"/>
+              </a:rPr>
+              <a:t>你國度</a:t>
+            </a:r>
+            <a:r>
+              <a:rPr lang="zh-TW" altLang="en-US" sz="5400" b="1" dirty="0" smtClean="0">
+                <a:solidFill>
+                  <a:srgbClr val="660033"/>
+                </a:solidFill>
+                <a:latin typeface="微軟正黑體" pitchFamily="34" charset="-120"/>
+                <a:ea typeface="微軟正黑體" pitchFamily="34" charset="-120"/>
+              </a:rPr>
+              <a:t>降臨</a:t>
+            </a:r>
+            <a:endParaRPr lang="zh-TW" altLang="en-US" sz="5400" b="1" dirty="0">
+              <a:solidFill>
+                <a:srgbClr val="660033"/>
+              </a:solidFill>
+              <a:latin typeface="微軟正黑體" pitchFamily="34" charset="-120"/>
+              <a:ea typeface="微軟正黑體" pitchFamily="34" charset="-120"/>
+            </a:endParaRPr>
+          </a:p>
+        </p:txBody>
+      </p:sp>
+    </p:spTree>
+  </p:cSld>
+  <p:clrMapOvr>
+    <a:masterClrMapping/>
+  </p:clrMapOvr>
+  <p:timing>
+    <p:tnLst>
+      <p:par>
+        <p:cTn id="1" dur="indefinite" restart="never" nodeType="tmRoot"/>
+      </p:par>
+    </p:tnLst>
+  </p:timing>
+</p:sld>
+</file>
+
+<file path=ppt/slides/slide15.xml><?xml version="1.0" encoding="utf-8"?>
+<p:sld xmlns:a="http://schemas.openxmlformats.org/drawingml/2006/main" xmlns:r="http://schemas.openxmlformats.org/officeDocument/2006/relationships" xmlns:p="http://schemas.openxmlformats.org/presentationml/2006/main">
+  <p:cSld>
+    <p:spTree>
+      <p:nvGrpSpPr>
+        <p:cNvPr id="1" name=""/>
+        <p:cNvGrpSpPr/>
+        <p:nvPr/>
+      </p:nvGrpSpPr>
+      <p:grpSpPr>
+        <a:xfrm>
+          <a:off x="0" y="0"/>
+          <a:ext cx="0" cy="0"/>
+          <a:chOff x="0" y="0"/>
+          <a:chExt cx="0" cy="0"/>
+        </a:xfrm>
+      </p:grpSpPr>
+      <p:sp>
+        <p:nvSpPr>
+          <p:cNvPr id="2" name="標題 1"/>
+          <p:cNvSpPr>
+            <a:spLocks noGrp="1"/>
+          </p:cNvSpPr>
+          <p:nvPr>
+            <p:ph type="title"/>
+          </p:nvPr>
+        </p:nvSpPr>
+        <p:spPr/>
+        <p:txBody>
+          <a:bodyPr/>
+          <a:lstStyle/>
+          <a:p>
+            <a:r>
+              <a:rPr lang="zh-TW" altLang="en-US" b="1" dirty="0">
+                <a:solidFill>
+                  <a:srgbClr val="660033"/>
+                </a:solidFill>
+                <a:latin typeface="微軟正黑體" pitchFamily="34" charset="-120"/>
+                <a:ea typeface="微軟正黑體" pitchFamily="34" charset="-120"/>
+              </a:rPr>
+              <a:t>禱告的大軍</a:t>
+            </a:r>
+          </a:p>
+        </p:txBody>
+      </p:sp>
+      <p:sp>
+        <p:nvSpPr>
+          <p:cNvPr id="3" name="內容版面配置區 2"/>
+          <p:cNvSpPr>
+            <a:spLocks noGrp="1"/>
+          </p:cNvSpPr>
+          <p:nvPr>
+            <p:ph idx="1"/>
+          </p:nvPr>
+        </p:nvSpPr>
+        <p:spPr/>
+        <p:txBody>
+          <a:bodyPr anchor="ctr">
+            <a:noAutofit/>
+          </a:bodyPr>
+          <a:lstStyle/>
+          <a:p>
+            <a:pPr algn="ctr">
+              <a:buNone/>
+            </a:pPr>
+            <a:r>
+              <a:rPr lang="zh-TW" altLang="en-US" sz="5400" b="1" dirty="0">
+                <a:solidFill>
+                  <a:srgbClr val="660033"/>
+                </a:solidFill>
+                <a:latin typeface="微軟正黑體" pitchFamily="34" charset="-120"/>
+                <a:ea typeface="微軟正黑體" pitchFamily="34" charset="-120"/>
+              </a:rPr>
+              <a:t>願你興起禱告的</a:t>
+            </a:r>
+            <a:r>
+              <a:rPr lang="zh-TW" altLang="en-US" sz="5400" b="1" dirty="0" smtClean="0">
+                <a:solidFill>
+                  <a:srgbClr val="660033"/>
+                </a:solidFill>
+                <a:latin typeface="微軟正黑體" pitchFamily="34" charset="-120"/>
+                <a:ea typeface="微軟正黑體" pitchFamily="34" charset="-120"/>
+              </a:rPr>
+              <a:t>大軍</a:t>
+            </a:r>
+            <a:endParaRPr lang="en-US" altLang="zh-TW" sz="5400" b="1" dirty="0" smtClean="0">
+              <a:solidFill>
+                <a:srgbClr val="660033"/>
+              </a:solidFill>
+              <a:latin typeface="微軟正黑體" pitchFamily="34" charset="-120"/>
+              <a:ea typeface="微軟正黑體" pitchFamily="34" charset="-120"/>
+            </a:endParaRPr>
+          </a:p>
+          <a:p>
+            <a:pPr algn="ctr">
+              <a:buNone/>
+            </a:pPr>
+            <a:r>
+              <a:rPr lang="zh-TW" altLang="en-US" sz="5400" b="1" dirty="0" smtClean="0">
+                <a:solidFill>
+                  <a:srgbClr val="660033"/>
+                </a:solidFill>
+                <a:latin typeface="微軟正黑體" pitchFamily="34" charset="-120"/>
+                <a:ea typeface="微軟正黑體" pitchFamily="34" charset="-120"/>
+              </a:rPr>
+              <a:t>按</a:t>
+            </a:r>
+            <a:r>
+              <a:rPr lang="zh-TW" altLang="en-US" sz="5400" b="1" dirty="0">
+                <a:solidFill>
+                  <a:srgbClr val="660033"/>
+                </a:solidFill>
+                <a:latin typeface="微軟正黑體" pitchFamily="34" charset="-120"/>
+                <a:ea typeface="微軟正黑體" pitchFamily="34" charset="-120"/>
+              </a:rPr>
+              <a:t>著你心意舉手代</a:t>
+            </a:r>
+            <a:r>
+              <a:rPr lang="zh-TW" altLang="en-US" sz="5400" b="1" dirty="0" smtClean="0">
+                <a:solidFill>
+                  <a:srgbClr val="660033"/>
+                </a:solidFill>
+                <a:latin typeface="微軟正黑體" pitchFamily="34" charset="-120"/>
+                <a:ea typeface="微軟正黑體" pitchFamily="34" charset="-120"/>
+              </a:rPr>
+              <a:t>求</a:t>
+            </a:r>
+            <a:endParaRPr lang="en-US" altLang="zh-TW" sz="5400" b="1" dirty="0" smtClean="0">
+              <a:solidFill>
+                <a:srgbClr val="660033"/>
+              </a:solidFill>
+              <a:latin typeface="微軟正黑體" pitchFamily="34" charset="-120"/>
+              <a:ea typeface="微軟正黑體" pitchFamily="34" charset="-120"/>
+            </a:endParaRPr>
+          </a:p>
+          <a:p>
+            <a:pPr algn="ctr">
+              <a:buNone/>
+            </a:pPr>
+            <a:r>
+              <a:rPr lang="zh-TW" altLang="en-US" sz="5400" b="1" dirty="0" smtClean="0">
+                <a:solidFill>
+                  <a:srgbClr val="660033"/>
+                </a:solidFill>
+                <a:latin typeface="微軟正黑體" pitchFamily="34" charset="-120"/>
+                <a:ea typeface="微軟正黑體" pitchFamily="34" charset="-120"/>
+              </a:rPr>
+              <a:t>站</a:t>
+            </a:r>
+            <a:r>
+              <a:rPr lang="zh-TW" altLang="en-US" sz="5400" b="1" dirty="0">
+                <a:solidFill>
+                  <a:srgbClr val="660033"/>
+                </a:solidFill>
+                <a:latin typeface="微軟正黑體" pitchFamily="34" charset="-120"/>
+                <a:ea typeface="微軟正黑體" pitchFamily="34" charset="-120"/>
+              </a:rPr>
+              <a:t>在你的應許</a:t>
+            </a:r>
+            <a:r>
+              <a:rPr lang="zh-TW" altLang="en-US" sz="5400" b="1" dirty="0" smtClean="0">
+                <a:solidFill>
+                  <a:srgbClr val="660033"/>
+                </a:solidFill>
+                <a:latin typeface="微軟正黑體" pitchFamily="34" charset="-120"/>
+                <a:ea typeface="微軟正黑體" pitchFamily="34" charset="-120"/>
+              </a:rPr>
+              <a:t>中</a:t>
+            </a:r>
+            <a:endParaRPr lang="en-US" altLang="zh-TW" sz="5400" b="1" dirty="0" smtClean="0">
+              <a:solidFill>
+                <a:srgbClr val="660033"/>
+              </a:solidFill>
+              <a:latin typeface="微軟正黑體" pitchFamily="34" charset="-120"/>
+              <a:ea typeface="微軟正黑體" pitchFamily="34" charset="-120"/>
+            </a:endParaRPr>
+          </a:p>
+          <a:p>
+            <a:pPr algn="ctr">
+              <a:buNone/>
+            </a:pPr>
+            <a:r>
+              <a:rPr lang="zh-TW" altLang="en-US" sz="5400" b="1" dirty="0" smtClean="0">
+                <a:solidFill>
+                  <a:srgbClr val="660033"/>
+                </a:solidFill>
+                <a:latin typeface="微軟正黑體" pitchFamily="34" charset="-120"/>
+                <a:ea typeface="微軟正黑體" pitchFamily="34" charset="-120"/>
+              </a:rPr>
+              <a:t>宣告</a:t>
+            </a:r>
+            <a:r>
+              <a:rPr lang="zh-TW" altLang="en-US" sz="5400" b="1" dirty="0">
+                <a:solidFill>
+                  <a:srgbClr val="660033"/>
+                </a:solidFill>
+                <a:latin typeface="微軟正黑體" pitchFamily="34" charset="-120"/>
+                <a:ea typeface="微軟正黑體" pitchFamily="34" charset="-120"/>
+              </a:rPr>
+              <a:t>你國度</a:t>
+            </a:r>
+            <a:r>
+              <a:rPr lang="zh-TW" altLang="en-US" sz="5400" b="1" dirty="0" smtClean="0">
+                <a:solidFill>
+                  <a:srgbClr val="660033"/>
+                </a:solidFill>
+                <a:latin typeface="微軟正黑體" pitchFamily="34" charset="-120"/>
+                <a:ea typeface="微軟正黑體" pitchFamily="34" charset="-120"/>
+              </a:rPr>
+              <a:t>降臨</a:t>
+            </a:r>
+            <a:endParaRPr lang="zh-TW" altLang="en-US" sz="5400" b="1" dirty="0">
+              <a:solidFill>
+                <a:srgbClr val="660033"/>
+              </a:solidFill>
+              <a:latin typeface="微軟正黑體" pitchFamily="34" charset="-120"/>
+              <a:ea typeface="微軟正黑體" pitchFamily="34" charset="-120"/>
+            </a:endParaRPr>
+          </a:p>
+        </p:txBody>
+      </p:sp>
+    </p:spTree>
+  </p:cSld>
+  <p:clrMapOvr>
+    <a:masterClrMapping/>
+  </p:clrMapOvr>
+  <p:timing>
+    <p:tnLst>
+      <p:par>
+        <p:cTn id="1" dur="indefinite" restart="never" nodeType="tmRoot"/>
+      </p:par>
+    </p:tnLst>
+  </p:timing>
+</p:sld>
+</file>
+
+<file path=ppt/slides/slide16.xml><?xml version="1.0" encoding="utf-8"?>
+<p:sld xmlns:a="http://schemas.openxmlformats.org/drawingml/2006/main" xmlns:r="http://schemas.openxmlformats.org/officeDocument/2006/relationships" xmlns:p="http://schemas.openxmlformats.org/presentationml/2006/main">
+  <p:cSld>
+    <p:spTree>
+      <p:nvGrpSpPr>
+        <p:cNvPr id="1" name=""/>
+        <p:cNvGrpSpPr/>
+        <p:nvPr/>
+      </p:nvGrpSpPr>
+      <p:grpSpPr>
+        <a:xfrm>
+          <a:off x="0" y="0"/>
+          <a:ext cx="0" cy="0"/>
+          <a:chOff x="0" y="0"/>
+          <a:chExt cx="0" cy="0"/>
+        </a:xfrm>
+      </p:grpSpPr>
+      <p:sp>
+        <p:nvSpPr>
+          <p:cNvPr id="2" name="標題 1"/>
+          <p:cNvSpPr>
+            <a:spLocks noGrp="1"/>
+          </p:cNvSpPr>
+          <p:nvPr>
+            <p:ph type="title"/>
+          </p:nvPr>
+        </p:nvSpPr>
+        <p:spPr/>
+        <p:txBody>
+          <a:bodyPr/>
+          <a:lstStyle/>
+          <a:p>
+            <a:r>
+              <a:rPr lang="zh-TW" altLang="en-US" b="1" dirty="0">
+                <a:solidFill>
+                  <a:srgbClr val="660033"/>
+                </a:solidFill>
+                <a:latin typeface="微軟正黑體" pitchFamily="34" charset="-120"/>
+                <a:ea typeface="微軟正黑體" pitchFamily="34" charset="-120"/>
+              </a:rPr>
+              <a:t>禱告的大軍</a:t>
+            </a:r>
+          </a:p>
+        </p:txBody>
+      </p:sp>
+      <p:sp>
+        <p:nvSpPr>
+          <p:cNvPr id="3" name="內容版面配置區 2"/>
+          <p:cNvSpPr>
+            <a:spLocks noGrp="1"/>
+          </p:cNvSpPr>
+          <p:nvPr>
+            <p:ph idx="1"/>
+          </p:nvPr>
+        </p:nvSpPr>
+        <p:spPr/>
+        <p:txBody>
+          <a:bodyPr anchor="ctr">
+            <a:noAutofit/>
+          </a:bodyPr>
+          <a:lstStyle/>
+          <a:p>
+            <a:pPr algn="ctr">
+              <a:buNone/>
+            </a:pPr>
+            <a:r>
+              <a:rPr lang="zh-TW" altLang="en-US" sz="5400" b="1" dirty="0">
+                <a:solidFill>
+                  <a:srgbClr val="660033"/>
+                </a:solidFill>
+                <a:latin typeface="微軟正黑體" pitchFamily="34" charset="-120"/>
+                <a:ea typeface="微軟正黑體" pitchFamily="34" charset="-120"/>
+              </a:rPr>
+              <a:t>願你興起守望的</a:t>
+            </a:r>
+            <a:r>
+              <a:rPr lang="zh-TW" altLang="en-US" sz="5400" b="1" dirty="0" smtClean="0">
+                <a:solidFill>
+                  <a:srgbClr val="660033"/>
+                </a:solidFill>
+                <a:latin typeface="微軟正黑體" pitchFamily="34" charset="-120"/>
+                <a:ea typeface="微軟正黑體" pitchFamily="34" charset="-120"/>
+              </a:rPr>
+              <a:t>大軍</a:t>
+            </a:r>
+            <a:endParaRPr lang="en-US" altLang="zh-TW" sz="5400" b="1" dirty="0" smtClean="0">
+              <a:solidFill>
+                <a:srgbClr val="660033"/>
+              </a:solidFill>
+              <a:latin typeface="微軟正黑體" pitchFamily="34" charset="-120"/>
+              <a:ea typeface="微軟正黑體" pitchFamily="34" charset="-120"/>
+            </a:endParaRPr>
+          </a:p>
+          <a:p>
+            <a:pPr algn="ctr">
+              <a:buNone/>
+            </a:pPr>
+            <a:r>
+              <a:rPr lang="zh-TW" altLang="en-US" sz="5400" b="1" dirty="0" smtClean="0">
+                <a:solidFill>
+                  <a:srgbClr val="660033"/>
+                </a:solidFill>
+                <a:latin typeface="微軟正黑體" pitchFamily="34" charset="-120"/>
+                <a:ea typeface="微軟正黑體" pitchFamily="34" charset="-120"/>
+              </a:rPr>
+              <a:t>帶</a:t>
+            </a:r>
+            <a:r>
+              <a:rPr lang="zh-TW" altLang="en-US" sz="5400" b="1" dirty="0">
+                <a:solidFill>
+                  <a:srgbClr val="660033"/>
+                </a:solidFill>
+                <a:latin typeface="微軟正黑體" pitchFamily="34" charset="-120"/>
+                <a:ea typeface="微軟正黑體" pitchFamily="34" charset="-120"/>
+              </a:rPr>
+              <a:t>著信心堅定抵擋</a:t>
+            </a:r>
+            <a:r>
+              <a:rPr lang="zh-TW" altLang="en-US" sz="5400" b="1" dirty="0" smtClean="0">
+                <a:solidFill>
+                  <a:srgbClr val="660033"/>
+                </a:solidFill>
+                <a:latin typeface="微軟正黑體" pitchFamily="34" charset="-120"/>
+                <a:ea typeface="微軟正黑體" pitchFamily="34" charset="-120"/>
+              </a:rPr>
+              <a:t>仇敵</a:t>
+            </a:r>
+            <a:endParaRPr lang="en-US" altLang="zh-TW" sz="5400" b="1" dirty="0" smtClean="0">
+              <a:solidFill>
+                <a:srgbClr val="660033"/>
+              </a:solidFill>
+              <a:latin typeface="微軟正黑體" pitchFamily="34" charset="-120"/>
+              <a:ea typeface="微軟正黑體" pitchFamily="34" charset="-120"/>
+            </a:endParaRPr>
+          </a:p>
+          <a:p>
+            <a:pPr algn="ctr">
+              <a:buNone/>
+            </a:pPr>
+            <a:r>
+              <a:rPr lang="zh-TW" altLang="en-US" sz="5400" b="1" dirty="0" smtClean="0">
+                <a:solidFill>
+                  <a:srgbClr val="660033"/>
+                </a:solidFill>
+                <a:latin typeface="微軟正黑體" pitchFamily="34" charset="-120"/>
+                <a:ea typeface="微軟正黑體" pitchFamily="34" charset="-120"/>
+              </a:rPr>
+              <a:t>用</a:t>
+            </a:r>
+            <a:r>
+              <a:rPr lang="zh-TW" altLang="en-US" sz="5400" b="1" dirty="0">
+                <a:solidFill>
+                  <a:srgbClr val="660033"/>
+                </a:solidFill>
+                <a:latin typeface="微軟正黑體" pitchFamily="34" charset="-120"/>
+                <a:ea typeface="微軟正黑體" pitchFamily="34" charset="-120"/>
+              </a:rPr>
+              <a:t>你的話語爭</a:t>
+            </a:r>
+            <a:r>
+              <a:rPr lang="zh-TW" altLang="en-US" sz="5400" b="1" dirty="0" smtClean="0">
+                <a:solidFill>
+                  <a:srgbClr val="660033"/>
+                </a:solidFill>
+                <a:latin typeface="微軟正黑體" pitchFamily="34" charset="-120"/>
+                <a:ea typeface="微軟正黑體" pitchFamily="34" charset="-120"/>
+              </a:rPr>
+              <a:t>戰</a:t>
+            </a:r>
+            <a:endParaRPr lang="en-US" altLang="zh-TW" sz="5400" b="1" dirty="0" smtClean="0">
+              <a:solidFill>
+                <a:srgbClr val="660033"/>
+              </a:solidFill>
+              <a:latin typeface="微軟正黑體" pitchFamily="34" charset="-120"/>
+              <a:ea typeface="微軟正黑體" pitchFamily="34" charset="-120"/>
+            </a:endParaRPr>
+          </a:p>
+          <a:p>
+            <a:pPr algn="ctr">
+              <a:buNone/>
+            </a:pPr>
+            <a:r>
+              <a:rPr lang="zh-TW" altLang="en-US" sz="5400" b="1" dirty="0" smtClean="0">
+                <a:solidFill>
+                  <a:srgbClr val="660033"/>
+                </a:solidFill>
+                <a:latin typeface="微軟正黑體" pitchFamily="34" charset="-120"/>
+                <a:ea typeface="微軟正黑體" pitchFamily="34" charset="-120"/>
+              </a:rPr>
+              <a:t>宣告</a:t>
+            </a:r>
+            <a:r>
+              <a:rPr lang="zh-TW" altLang="en-US" sz="5400" b="1" dirty="0">
+                <a:solidFill>
+                  <a:srgbClr val="660033"/>
+                </a:solidFill>
+                <a:latin typeface="微軟正黑體" pitchFamily="34" charset="-120"/>
+                <a:ea typeface="微軟正黑體" pitchFamily="34" charset="-120"/>
+              </a:rPr>
+              <a:t>你國度</a:t>
+            </a:r>
+            <a:r>
+              <a:rPr lang="zh-TW" altLang="en-US" sz="5400" b="1" dirty="0" smtClean="0">
+                <a:solidFill>
+                  <a:srgbClr val="660033"/>
+                </a:solidFill>
+                <a:latin typeface="微軟正黑體" pitchFamily="34" charset="-120"/>
+                <a:ea typeface="微軟正黑體" pitchFamily="34" charset="-120"/>
+              </a:rPr>
+              <a:t>降臨</a:t>
+            </a:r>
+            <a:endParaRPr lang="zh-TW" altLang="en-US" sz="5400" b="1" dirty="0">
+              <a:solidFill>
+                <a:srgbClr val="660033"/>
+              </a:solidFill>
+              <a:latin typeface="微軟正黑體" pitchFamily="34" charset="-120"/>
+              <a:ea typeface="微軟正黑體" pitchFamily="34" charset="-120"/>
+            </a:endParaRPr>
+          </a:p>
+        </p:txBody>
+      </p:sp>
+    </p:spTree>
+  </p:cSld>
+  <p:clrMapOvr>
+    <a:masterClrMapping/>
+  </p:clrMapOvr>
+  <p:timing>
+    <p:tnLst>
+      <p:par>
+        <p:cTn id="1" dur="indefinite" restart="never" nodeType="tmRoot"/>
+      </p:par>
+    </p:tnLst>
+  </p:timing>
+</p:sld>
+</file>
+
+<file path=ppt/slides/slide17.xml><?xml version="1.0" encoding="utf-8"?>
+<p:sld xmlns:a="http://schemas.openxmlformats.org/drawingml/2006/main" xmlns:r="http://schemas.openxmlformats.org/officeDocument/2006/relationships" xmlns:p="http://schemas.openxmlformats.org/presentationml/2006/main">
+  <p:cSld>
+    <p:spTree>
+      <p:nvGrpSpPr>
+        <p:cNvPr id="1" name=""/>
+        <p:cNvGrpSpPr/>
+        <p:nvPr/>
+      </p:nvGrpSpPr>
+      <p:grpSpPr>
+        <a:xfrm>
+          <a:off x="0" y="0"/>
+          <a:ext cx="0" cy="0"/>
+          <a:chOff x="0" y="0"/>
+          <a:chExt cx="0" cy="0"/>
+        </a:xfrm>
+      </p:grpSpPr>
+      <p:sp>
+        <p:nvSpPr>
+          <p:cNvPr id="2" name="標題 1"/>
+          <p:cNvSpPr>
+            <a:spLocks noGrp="1"/>
+          </p:cNvSpPr>
+          <p:nvPr>
+            <p:ph type="title"/>
+          </p:nvPr>
+        </p:nvSpPr>
+        <p:spPr>
+          <a:xfrm>
+            <a:off x="500034" y="142852"/>
+            <a:ext cx="8229600" cy="1143000"/>
+          </a:xfrm>
+        </p:spPr>
+        <p:txBody>
+          <a:bodyPr>
+            <a:normAutofit/>
+          </a:bodyPr>
+          <a:lstStyle/>
+          <a:p>
+            <a:r>
+              <a:rPr lang="zh-TW" altLang="en-US" b="1" dirty="0" smtClean="0">
+                <a:solidFill>
+                  <a:srgbClr val="660033"/>
+                </a:solidFill>
+                <a:latin typeface="微軟正黑體" pitchFamily="34" charset="-120"/>
+                <a:ea typeface="微軟正黑體" pitchFamily="34" charset="-120"/>
+                <a:cs typeface="+mn-cs"/>
+              </a:rPr>
+              <a:t>願你榮耀國度降臨</a:t>
+            </a:r>
+            <a:endParaRPr lang="zh-TW" altLang="en-US" b="1" dirty="0">
+              <a:solidFill>
+                <a:srgbClr val="660033"/>
+              </a:solidFill>
+              <a:latin typeface="微軟正黑體" pitchFamily="34" charset="-120"/>
+              <a:ea typeface="微軟正黑體" pitchFamily="34" charset="-120"/>
+              <a:cs typeface="+mn-cs"/>
+            </a:endParaRPr>
+          </a:p>
+        </p:txBody>
+      </p:sp>
+      <p:sp>
+        <p:nvSpPr>
+          <p:cNvPr id="3" name="內容版面配置區 2"/>
+          <p:cNvSpPr>
+            <a:spLocks noGrp="1"/>
+          </p:cNvSpPr>
+          <p:nvPr>
+            <p:ph idx="1"/>
+          </p:nvPr>
+        </p:nvSpPr>
+        <p:spPr>
+          <a:xfrm>
+            <a:off x="571472" y="1214422"/>
+            <a:ext cx="8229600" cy="5643578"/>
+          </a:xfrm>
+        </p:spPr>
+        <p:txBody>
+          <a:bodyPr>
+            <a:normAutofit lnSpcReduction="10000"/>
+          </a:bodyPr>
+          <a:lstStyle/>
+          <a:p>
+            <a:pPr algn="ctr">
+              <a:buNone/>
+            </a:pPr>
+            <a:r>
+              <a:rPr lang="zh-TW" altLang="en-US" sz="5400" b="1" dirty="0" smtClean="0">
+                <a:solidFill>
+                  <a:srgbClr val="660033"/>
+                </a:solidFill>
+                <a:latin typeface="微軟正黑體" pitchFamily="34" charset="-120"/>
+                <a:ea typeface="微軟正黑體" pitchFamily="34" charset="-120"/>
+              </a:rPr>
+              <a:t>主我們謙卑屈膝</a:t>
+            </a:r>
+            <a:endParaRPr lang="en-US" altLang="zh-TW" sz="5400" b="1" dirty="0" smtClean="0">
+              <a:solidFill>
+                <a:srgbClr val="660033"/>
+              </a:solidFill>
+              <a:latin typeface="微軟正黑體" pitchFamily="34" charset="-120"/>
+              <a:ea typeface="微軟正黑體" pitchFamily="34" charset="-120"/>
+            </a:endParaRPr>
+          </a:p>
+          <a:p>
+            <a:pPr algn="ctr">
+              <a:buNone/>
+            </a:pPr>
+            <a:r>
+              <a:rPr lang="zh-TW" altLang="en-US" sz="5400" b="1" dirty="0" smtClean="0">
+                <a:solidFill>
+                  <a:srgbClr val="660033"/>
+                </a:solidFill>
+                <a:latin typeface="微軟正黑體" pitchFamily="34" charset="-120"/>
+                <a:ea typeface="微軟正黑體" pitchFamily="34" charset="-120"/>
+              </a:rPr>
+              <a:t>來跟隨你的話語</a:t>
+            </a:r>
+            <a:endParaRPr lang="en-US" altLang="zh-TW" sz="5400" b="1" dirty="0" smtClean="0">
+              <a:solidFill>
+                <a:srgbClr val="660033"/>
+              </a:solidFill>
+              <a:latin typeface="微軟正黑體" pitchFamily="34" charset="-120"/>
+              <a:ea typeface="微軟正黑體" pitchFamily="34" charset="-120"/>
+            </a:endParaRPr>
+          </a:p>
+          <a:p>
+            <a:pPr algn="ctr">
+              <a:buNone/>
+            </a:pPr>
+            <a:r>
+              <a:rPr lang="zh-TW" altLang="en-US" sz="5400" b="1" dirty="0" smtClean="0">
+                <a:solidFill>
+                  <a:srgbClr val="660033"/>
+                </a:solidFill>
+                <a:latin typeface="微軟正黑體" pitchFamily="34" charset="-120"/>
+                <a:ea typeface="微軟正黑體" pitchFamily="34" charset="-120"/>
+              </a:rPr>
+              <a:t>在萬民中作你的子民</a:t>
+            </a:r>
+            <a:endParaRPr lang="en-US" altLang="zh-TW" sz="5400" b="1" dirty="0" smtClean="0">
+              <a:solidFill>
+                <a:srgbClr val="660033"/>
+              </a:solidFill>
+              <a:latin typeface="微軟正黑體" pitchFamily="34" charset="-120"/>
+              <a:ea typeface="微軟正黑體" pitchFamily="34" charset="-120"/>
+            </a:endParaRPr>
+          </a:p>
+          <a:p>
+            <a:pPr algn="ctr">
+              <a:buNone/>
+            </a:pPr>
+            <a:r>
+              <a:rPr lang="zh-TW" altLang="en-US" sz="5400" b="1" dirty="0" smtClean="0">
+                <a:solidFill>
+                  <a:srgbClr val="660033"/>
+                </a:solidFill>
+                <a:latin typeface="微軟正黑體" pitchFamily="34" charset="-120"/>
+                <a:ea typeface="微軟正黑體" pitchFamily="34" charset="-120"/>
+              </a:rPr>
+              <a:t>主我們謙卑屈膝</a:t>
+            </a:r>
+            <a:endParaRPr lang="en-US" altLang="zh-TW" sz="5400" b="1" dirty="0" smtClean="0">
+              <a:solidFill>
+                <a:srgbClr val="660033"/>
+              </a:solidFill>
+              <a:latin typeface="微軟正黑體" pitchFamily="34" charset="-120"/>
+              <a:ea typeface="微軟正黑體" pitchFamily="34" charset="-120"/>
+            </a:endParaRPr>
+          </a:p>
+          <a:p>
+            <a:pPr algn="ctr">
+              <a:buNone/>
+            </a:pPr>
+            <a:r>
+              <a:rPr lang="zh-TW" altLang="en-US" sz="5400" b="1" dirty="0" smtClean="0">
+                <a:solidFill>
+                  <a:srgbClr val="660033"/>
+                </a:solidFill>
+                <a:latin typeface="微軟正黑體" pitchFamily="34" charset="-120"/>
+                <a:ea typeface="微軟正黑體" pitchFamily="34" charset="-120"/>
+              </a:rPr>
+              <a:t>定意為聖潔國民</a:t>
+            </a:r>
+            <a:endParaRPr lang="en-US" altLang="zh-TW" sz="5400" b="1" dirty="0" smtClean="0">
+              <a:solidFill>
+                <a:srgbClr val="660033"/>
+              </a:solidFill>
+              <a:latin typeface="微軟正黑體" pitchFamily="34" charset="-120"/>
+              <a:ea typeface="微軟正黑體" pitchFamily="34" charset="-120"/>
+            </a:endParaRPr>
+          </a:p>
+          <a:p>
+            <a:pPr algn="ctr">
+              <a:buNone/>
+            </a:pPr>
+            <a:r>
+              <a:rPr lang="zh-TW" altLang="en-US" sz="5400" b="1" dirty="0" smtClean="0">
+                <a:solidFill>
+                  <a:srgbClr val="660033"/>
+                </a:solidFill>
+                <a:latin typeface="微軟正黑體" pitchFamily="34" charset="-120"/>
+                <a:ea typeface="微軟正黑體" pitchFamily="34" charset="-120"/>
+              </a:rPr>
+              <a:t>在萬國中宣揚你聖名</a:t>
+            </a:r>
+            <a:endParaRPr lang="en-US" altLang="zh-TW" sz="5400" b="1" dirty="0" smtClean="0">
+              <a:solidFill>
+                <a:srgbClr val="660033"/>
+              </a:solidFill>
+              <a:latin typeface="微軟正黑體" pitchFamily="34" charset="-120"/>
+              <a:ea typeface="微軟正黑體" pitchFamily="34" charset="-120"/>
+            </a:endParaRPr>
+          </a:p>
+        </p:txBody>
+      </p:sp>
+    </p:spTree>
+  </p:cSld>
+  <p:clrMapOvr>
+    <a:masterClrMapping/>
+  </p:clrMapOvr>
+  <p:timing>
+    <p:tnLst>
+      <p:par>
+        <p:cTn id="1" dur="indefinite" restart="never" nodeType="tmRoot"/>
+      </p:par>
+    </p:tnLst>
+  </p:timing>
+</p:sld>
+</file>
+
+<file path=ppt/slides/slide18.xml><?xml version="1.0" encoding="utf-8"?>
+<p:sld xmlns:a="http://schemas.openxmlformats.org/drawingml/2006/main" xmlns:r="http://schemas.openxmlformats.org/officeDocument/2006/relationships" xmlns:p="http://schemas.openxmlformats.org/presentationml/2006/main">
+  <p:cSld>
+    <p:spTree>
+      <p:nvGrpSpPr>
+        <p:cNvPr id="1" name=""/>
+        <p:cNvGrpSpPr/>
+        <p:nvPr/>
+      </p:nvGrpSpPr>
+      <p:grpSpPr>
+        <a:xfrm>
+          <a:off x="0" y="0"/>
+          <a:ext cx="0" cy="0"/>
+          <a:chOff x="0" y="0"/>
+          <a:chExt cx="0" cy="0"/>
+        </a:xfrm>
+      </p:grpSpPr>
+      <p:sp>
+        <p:nvSpPr>
+          <p:cNvPr id="2" name="標題 1"/>
+          <p:cNvSpPr>
+            <a:spLocks noGrp="1"/>
+          </p:cNvSpPr>
+          <p:nvPr>
+            <p:ph type="title"/>
+          </p:nvPr>
+        </p:nvSpPr>
+        <p:spPr>
+          <a:xfrm>
+            <a:off x="500034" y="142852"/>
+            <a:ext cx="8229600" cy="1143000"/>
+          </a:xfrm>
+        </p:spPr>
+        <p:txBody>
+          <a:bodyPr>
+            <a:normAutofit/>
+          </a:bodyPr>
+          <a:lstStyle/>
+          <a:p>
+            <a:r>
+              <a:rPr lang="zh-TW" altLang="en-US" b="1" dirty="0" smtClean="0">
+                <a:solidFill>
+                  <a:srgbClr val="660033"/>
+                </a:solidFill>
+                <a:latin typeface="微軟正黑體" pitchFamily="34" charset="-120"/>
+                <a:ea typeface="微軟正黑體" pitchFamily="34" charset="-120"/>
+                <a:cs typeface="+mn-cs"/>
+              </a:rPr>
+              <a:t>願你榮耀國度降臨</a:t>
+            </a:r>
+            <a:endParaRPr lang="zh-TW" altLang="en-US" b="1" dirty="0">
+              <a:solidFill>
+                <a:srgbClr val="660033"/>
+              </a:solidFill>
+              <a:latin typeface="微軟正黑體" pitchFamily="34" charset="-120"/>
+              <a:ea typeface="微軟正黑體" pitchFamily="34" charset="-120"/>
+              <a:cs typeface="+mn-cs"/>
+            </a:endParaRPr>
+          </a:p>
+        </p:txBody>
+      </p:sp>
+      <p:sp>
+        <p:nvSpPr>
+          <p:cNvPr id="3" name="內容版面配置區 2"/>
+          <p:cNvSpPr>
+            <a:spLocks noGrp="1"/>
+          </p:cNvSpPr>
+          <p:nvPr>
+            <p:ph idx="1"/>
+          </p:nvPr>
+        </p:nvSpPr>
+        <p:spPr>
+          <a:xfrm>
+            <a:off x="428596" y="1314472"/>
+            <a:ext cx="8429684" cy="5257800"/>
+          </a:xfrm>
+        </p:spPr>
+        <p:txBody>
+          <a:bodyPr>
+            <a:normAutofit/>
+          </a:bodyPr>
+          <a:lstStyle/>
+          <a:p>
+            <a:pPr algn="ctr">
+              <a:buNone/>
+            </a:pPr>
+            <a:r>
+              <a:rPr lang="zh-TW" altLang="en-US" sz="5400" b="1" dirty="0" smtClean="0">
+                <a:solidFill>
+                  <a:srgbClr val="660033"/>
+                </a:solidFill>
+                <a:latin typeface="微軟正黑體" pitchFamily="34" charset="-120"/>
+                <a:ea typeface="微軟正黑體" pitchFamily="34" charset="-120"/>
+              </a:rPr>
+              <a:t>願你榮耀國度降臨我們中間</a:t>
+            </a:r>
+            <a:endParaRPr lang="en-US" altLang="zh-TW" sz="5400" b="1" dirty="0" smtClean="0">
+              <a:solidFill>
+                <a:srgbClr val="660033"/>
+              </a:solidFill>
+              <a:latin typeface="微軟正黑體" pitchFamily="34" charset="-120"/>
+              <a:ea typeface="微軟正黑體" pitchFamily="34" charset="-120"/>
+            </a:endParaRPr>
+          </a:p>
+          <a:p>
+            <a:pPr algn="ctr">
+              <a:buNone/>
+            </a:pPr>
+            <a:r>
+              <a:rPr lang="zh-TW" altLang="en-US" sz="5400" b="1" dirty="0" smtClean="0">
+                <a:solidFill>
+                  <a:srgbClr val="660033"/>
+                </a:solidFill>
+                <a:latin typeface="微軟正黑體" pitchFamily="34" charset="-120"/>
+                <a:ea typeface="微軟正黑體" pitchFamily="34" charset="-120"/>
+              </a:rPr>
+              <a:t>聖靈降下焚燒眾人心靈</a:t>
+            </a:r>
+            <a:endParaRPr lang="en-US" altLang="zh-TW" sz="5400" b="1" dirty="0" smtClean="0">
+              <a:solidFill>
+                <a:srgbClr val="660033"/>
+              </a:solidFill>
+              <a:latin typeface="微軟正黑體" pitchFamily="34" charset="-120"/>
+              <a:ea typeface="微軟正黑體" pitchFamily="34" charset="-120"/>
+            </a:endParaRPr>
+          </a:p>
+          <a:p>
+            <a:pPr algn="ctr">
+              <a:buNone/>
+            </a:pPr>
+            <a:r>
+              <a:rPr lang="zh-TW" altLang="en-US" sz="5400" b="1" dirty="0" smtClean="0">
+                <a:solidFill>
+                  <a:srgbClr val="660033"/>
+                </a:solidFill>
+                <a:latin typeface="微軟正黑體" pitchFamily="34" charset="-120"/>
+                <a:ea typeface="微軟正黑體" pitchFamily="34" charset="-120"/>
+              </a:rPr>
+              <a:t>復興我們為失喪靈魂代求</a:t>
+            </a:r>
+            <a:endParaRPr lang="en-US" altLang="zh-TW" sz="5400" b="1" dirty="0" smtClean="0">
+              <a:solidFill>
+                <a:srgbClr val="660033"/>
+              </a:solidFill>
+              <a:latin typeface="微軟正黑體" pitchFamily="34" charset="-120"/>
+              <a:ea typeface="微軟正黑體" pitchFamily="34" charset="-120"/>
+            </a:endParaRPr>
+          </a:p>
+          <a:p>
+            <a:pPr algn="ctr">
+              <a:buNone/>
+            </a:pPr>
+            <a:r>
+              <a:rPr lang="zh-TW" altLang="en-US" sz="5400" b="1" dirty="0" smtClean="0">
+                <a:solidFill>
+                  <a:srgbClr val="660033"/>
+                </a:solidFill>
+                <a:latin typeface="微軟正黑體" pitchFamily="34" charset="-120"/>
+                <a:ea typeface="微軟正黑體" pitchFamily="34" charset="-120"/>
+              </a:rPr>
+              <a:t>悔改你寶座前同心合意</a:t>
+            </a:r>
+            <a:endParaRPr lang="en-US" altLang="zh-TW" sz="5400" b="1" dirty="0" smtClean="0">
+              <a:solidFill>
+                <a:srgbClr val="660033"/>
+              </a:solidFill>
+              <a:latin typeface="微軟正黑體" pitchFamily="34" charset="-120"/>
+              <a:ea typeface="微軟正黑體" pitchFamily="34" charset="-120"/>
+            </a:endParaRPr>
+          </a:p>
+          <a:p>
+            <a:pPr algn="ctr">
+              <a:buNone/>
+            </a:pPr>
+            <a:r>
+              <a:rPr lang="zh-TW" altLang="en-US" sz="5400" b="1" dirty="0" smtClean="0">
+                <a:solidFill>
+                  <a:srgbClr val="660033"/>
+                </a:solidFill>
+                <a:latin typeface="微軟正黑體" pitchFamily="34" charset="-120"/>
+                <a:ea typeface="微軟正黑體" pitchFamily="34" charset="-120"/>
+              </a:rPr>
+              <a:t>剛強壯膽往普天下去</a:t>
+            </a:r>
+            <a:endParaRPr lang="en-US" altLang="zh-TW" sz="5400" b="1" dirty="0" smtClean="0">
+              <a:solidFill>
+                <a:srgbClr val="660033"/>
+              </a:solidFill>
+              <a:latin typeface="微軟正黑體" pitchFamily="34" charset="-120"/>
+              <a:ea typeface="微軟正黑體" pitchFamily="34" charset="-120"/>
+            </a:endParaRPr>
+          </a:p>
+        </p:txBody>
+      </p:sp>
+    </p:spTree>
+  </p:cSld>
+  <p:clrMapOvr>
+    <a:masterClrMapping/>
+  </p:clrMapOvr>
+  <p:timing>
+    <p:tnLst>
+      <p:par>
+        <p:cTn id="1" dur="indefinite" restart="never" nodeType="tmRoot"/>
+      </p:par>
+    </p:tnLst>
+  </p:timing>
+</p:sld>
+</file>
+
+<file path=ppt/slides/slide19.xml><?xml version="1.0" encoding="utf-8"?>
+<p:sld xmlns:a="http://schemas.openxmlformats.org/drawingml/2006/main" xmlns:r="http://schemas.openxmlformats.org/officeDocument/2006/relationships" xmlns:p="http://schemas.openxmlformats.org/presentationml/2006/main">
+  <p:cSld>
+    <p:spTree>
+      <p:nvGrpSpPr>
+        <p:cNvPr id="1" name=""/>
+        <p:cNvGrpSpPr/>
+        <p:nvPr/>
+      </p:nvGrpSpPr>
+      <p:grpSpPr>
+        <a:xfrm>
+          <a:off x="0" y="0"/>
+          <a:ext cx="0" cy="0"/>
+          <a:chOff x="0" y="0"/>
+          <a:chExt cx="0" cy="0"/>
+        </a:xfrm>
+      </p:grpSpPr>
+      <p:sp>
+        <p:nvSpPr>
+          <p:cNvPr id="2" name="標題 1"/>
+          <p:cNvSpPr>
+            <a:spLocks noGrp="1"/>
+          </p:cNvSpPr>
+          <p:nvPr>
+            <p:ph type="title"/>
+          </p:nvPr>
+        </p:nvSpPr>
+        <p:spPr>
+          <a:xfrm>
+            <a:off x="500034" y="142852"/>
+            <a:ext cx="8229600" cy="1143000"/>
+          </a:xfrm>
+        </p:spPr>
+        <p:txBody>
+          <a:bodyPr>
+            <a:normAutofit/>
+          </a:bodyPr>
+          <a:lstStyle/>
+          <a:p>
+            <a:r>
+              <a:rPr lang="zh-TW" altLang="en-US" b="1" dirty="0" smtClean="0">
+                <a:solidFill>
+                  <a:srgbClr val="660033"/>
+                </a:solidFill>
+                <a:latin typeface="微軟正黑體" pitchFamily="34" charset="-120"/>
+                <a:ea typeface="微軟正黑體" pitchFamily="34" charset="-120"/>
+                <a:cs typeface="+mn-cs"/>
+              </a:rPr>
+              <a:t>願你榮耀國度降臨</a:t>
+            </a:r>
+            <a:endParaRPr lang="zh-TW" altLang="en-US" b="1" dirty="0">
+              <a:solidFill>
+                <a:srgbClr val="660033"/>
+              </a:solidFill>
+              <a:latin typeface="微軟正黑體" pitchFamily="34" charset="-120"/>
+              <a:ea typeface="微軟正黑體" pitchFamily="34" charset="-120"/>
+              <a:cs typeface="+mn-cs"/>
+            </a:endParaRPr>
+          </a:p>
+        </p:txBody>
+      </p:sp>
+      <p:sp>
+        <p:nvSpPr>
+          <p:cNvPr id="3" name="內容版面配置區 2"/>
+          <p:cNvSpPr>
+            <a:spLocks noGrp="1"/>
+          </p:cNvSpPr>
+          <p:nvPr>
+            <p:ph idx="1"/>
+          </p:nvPr>
+        </p:nvSpPr>
+        <p:spPr>
+          <a:xfrm>
+            <a:off x="571472" y="1214422"/>
+            <a:ext cx="8229600" cy="5643578"/>
+          </a:xfrm>
+        </p:spPr>
+        <p:txBody>
+          <a:bodyPr>
+            <a:normAutofit lnSpcReduction="10000"/>
+          </a:bodyPr>
+          <a:lstStyle/>
+          <a:p>
+            <a:pPr algn="ctr">
+              <a:buNone/>
+            </a:pPr>
+            <a:r>
+              <a:rPr lang="zh-TW" altLang="en-US" sz="5400" b="1" dirty="0" smtClean="0">
+                <a:solidFill>
+                  <a:srgbClr val="660033"/>
+                </a:solidFill>
+                <a:latin typeface="微軟正黑體" pitchFamily="34" charset="-120"/>
+                <a:ea typeface="微軟正黑體" pitchFamily="34" charset="-120"/>
+              </a:rPr>
+              <a:t>主我們謙卑屈膝</a:t>
+            </a:r>
+            <a:endParaRPr lang="en-US" altLang="zh-TW" sz="5400" b="1" dirty="0" smtClean="0">
+              <a:solidFill>
+                <a:srgbClr val="660033"/>
+              </a:solidFill>
+              <a:latin typeface="微軟正黑體" pitchFamily="34" charset="-120"/>
+              <a:ea typeface="微軟正黑體" pitchFamily="34" charset="-120"/>
+            </a:endParaRPr>
+          </a:p>
+          <a:p>
+            <a:pPr algn="ctr">
+              <a:buNone/>
+            </a:pPr>
+            <a:r>
+              <a:rPr lang="zh-TW" altLang="en-US" sz="5400" b="1" dirty="0" smtClean="0">
+                <a:solidFill>
+                  <a:srgbClr val="660033"/>
+                </a:solidFill>
+                <a:latin typeface="微軟正黑體" pitchFamily="34" charset="-120"/>
+                <a:ea typeface="微軟正黑體" pitchFamily="34" charset="-120"/>
+              </a:rPr>
+              <a:t>來跟隨你的話語</a:t>
+            </a:r>
+            <a:endParaRPr lang="en-US" altLang="zh-TW" sz="5400" b="1" dirty="0" smtClean="0">
+              <a:solidFill>
+                <a:srgbClr val="660033"/>
+              </a:solidFill>
+              <a:latin typeface="微軟正黑體" pitchFamily="34" charset="-120"/>
+              <a:ea typeface="微軟正黑體" pitchFamily="34" charset="-120"/>
+            </a:endParaRPr>
+          </a:p>
+          <a:p>
+            <a:pPr algn="ctr">
+              <a:buNone/>
+            </a:pPr>
+            <a:r>
+              <a:rPr lang="zh-TW" altLang="en-US" sz="5400" b="1" dirty="0" smtClean="0">
+                <a:solidFill>
+                  <a:srgbClr val="660033"/>
+                </a:solidFill>
+                <a:latin typeface="微軟正黑體" pitchFamily="34" charset="-120"/>
+                <a:ea typeface="微軟正黑體" pitchFamily="34" charset="-120"/>
+              </a:rPr>
+              <a:t>在萬民中作你的子民</a:t>
+            </a:r>
+            <a:endParaRPr lang="en-US" altLang="zh-TW" sz="5400" b="1" dirty="0" smtClean="0">
+              <a:solidFill>
+                <a:srgbClr val="660033"/>
+              </a:solidFill>
+              <a:latin typeface="微軟正黑體" pitchFamily="34" charset="-120"/>
+              <a:ea typeface="微軟正黑體" pitchFamily="34" charset="-120"/>
+            </a:endParaRPr>
+          </a:p>
+          <a:p>
+            <a:pPr algn="ctr">
+              <a:buNone/>
+            </a:pPr>
+            <a:r>
+              <a:rPr lang="zh-TW" altLang="en-US" sz="5400" b="1" dirty="0" smtClean="0">
+                <a:solidFill>
+                  <a:srgbClr val="660033"/>
+                </a:solidFill>
+                <a:latin typeface="微軟正黑體" pitchFamily="34" charset="-120"/>
+                <a:ea typeface="微軟正黑體" pitchFamily="34" charset="-120"/>
+              </a:rPr>
+              <a:t>主我們謙卑屈膝</a:t>
+            </a:r>
+            <a:endParaRPr lang="en-US" altLang="zh-TW" sz="5400" b="1" dirty="0" smtClean="0">
+              <a:solidFill>
+                <a:srgbClr val="660033"/>
+              </a:solidFill>
+              <a:latin typeface="微軟正黑體" pitchFamily="34" charset="-120"/>
+              <a:ea typeface="微軟正黑體" pitchFamily="34" charset="-120"/>
+            </a:endParaRPr>
+          </a:p>
+          <a:p>
+            <a:pPr algn="ctr">
+              <a:buNone/>
+            </a:pPr>
+            <a:r>
+              <a:rPr lang="zh-TW" altLang="en-US" sz="5400" b="1" dirty="0" smtClean="0">
+                <a:solidFill>
+                  <a:srgbClr val="660033"/>
+                </a:solidFill>
+                <a:latin typeface="微軟正黑體" pitchFamily="34" charset="-120"/>
+                <a:ea typeface="微軟正黑體" pitchFamily="34" charset="-120"/>
+              </a:rPr>
+              <a:t>定意為聖潔國民</a:t>
+            </a:r>
+            <a:endParaRPr lang="en-US" altLang="zh-TW" sz="5400" b="1" dirty="0" smtClean="0">
+              <a:solidFill>
+                <a:srgbClr val="660033"/>
+              </a:solidFill>
+              <a:latin typeface="微軟正黑體" pitchFamily="34" charset="-120"/>
+              <a:ea typeface="微軟正黑體" pitchFamily="34" charset="-120"/>
+            </a:endParaRPr>
+          </a:p>
+          <a:p>
+            <a:pPr algn="ctr">
+              <a:buNone/>
+            </a:pPr>
+            <a:r>
+              <a:rPr lang="zh-TW" altLang="en-US" sz="5400" b="1" dirty="0" smtClean="0">
+                <a:solidFill>
+                  <a:srgbClr val="660033"/>
+                </a:solidFill>
+                <a:latin typeface="微軟正黑體" pitchFamily="34" charset="-120"/>
+                <a:ea typeface="微軟正黑體" pitchFamily="34" charset="-120"/>
+              </a:rPr>
+              <a:t>在萬國中宣揚你聖名</a:t>
+            </a:r>
+            <a:endParaRPr lang="en-US" altLang="zh-TW" sz="5400" b="1" dirty="0" smtClean="0">
+              <a:solidFill>
+                <a:srgbClr val="660033"/>
+              </a:solidFill>
+              <a:latin typeface="微軟正黑體" pitchFamily="34" charset="-120"/>
+              <a:ea typeface="微軟正黑體" pitchFamily="34" charset="-120"/>
+            </a:endParaRPr>
+          </a:p>
+        </p:txBody>
+      </p:sp>
+    </p:spTree>
+  </p:cSld>
+  <p:clrMapOvr>
+    <a:masterClrMapping/>
+  </p:clrMapOvr>
+  <p:timing>
+    <p:tnLst>
+      <p:par>
+        <p:cTn id="1" dur="indefinite" restart="never" nodeType="tmRoot"/>
+      </p:par>
+    </p:tnLst>
+  </p:timing>
+</p:sld>
+</file>
+
 <file path=ppt/slides/slide2.xml><?xml version="1.0" encoding="utf-8"?>
 <p:sld xmlns:a="http://schemas.openxmlformats.org/drawingml/2006/main" xmlns:r="http://schemas.openxmlformats.org/officeDocument/2006/relationships" xmlns:p="http://schemas.openxmlformats.org/presentationml/2006/main">
   <p:cSld>
@@ -3489,6 +5648,418 @@
               <a:latin typeface="微軟正黑體" pitchFamily="34" charset="-120"/>
               <a:ea typeface="微軟正黑體" pitchFamily="34" charset="-120"/>
             </a:endParaRPr>
+          </a:p>
+        </p:txBody>
+      </p:sp>
+    </p:spTree>
+  </p:cSld>
+  <p:clrMapOvr>
+    <a:masterClrMapping/>
+  </p:clrMapOvr>
+  <p:timing>
+    <p:tnLst>
+      <p:par>
+        <p:cTn id="1" dur="indefinite" restart="never" nodeType="tmRoot"/>
+      </p:par>
+    </p:tnLst>
+  </p:timing>
+</p:sld>
+</file>
+
+<file path=ppt/slides/slide20.xml><?xml version="1.0" encoding="utf-8"?>
+<p:sld xmlns:a="http://schemas.openxmlformats.org/drawingml/2006/main" xmlns:r="http://schemas.openxmlformats.org/officeDocument/2006/relationships" xmlns:p="http://schemas.openxmlformats.org/presentationml/2006/main">
+  <p:cSld>
+    <p:spTree>
+      <p:nvGrpSpPr>
+        <p:cNvPr id="1" name=""/>
+        <p:cNvGrpSpPr/>
+        <p:nvPr/>
+      </p:nvGrpSpPr>
+      <p:grpSpPr>
+        <a:xfrm>
+          <a:off x="0" y="0"/>
+          <a:ext cx="0" cy="0"/>
+          <a:chOff x="0" y="0"/>
+          <a:chExt cx="0" cy="0"/>
+        </a:xfrm>
+      </p:grpSpPr>
+      <p:sp>
+        <p:nvSpPr>
+          <p:cNvPr id="2" name="標題 1"/>
+          <p:cNvSpPr>
+            <a:spLocks noGrp="1"/>
+          </p:cNvSpPr>
+          <p:nvPr>
+            <p:ph type="title"/>
+          </p:nvPr>
+        </p:nvSpPr>
+        <p:spPr>
+          <a:xfrm>
+            <a:off x="500034" y="142852"/>
+            <a:ext cx="8229600" cy="1143000"/>
+          </a:xfrm>
+        </p:spPr>
+        <p:txBody>
+          <a:bodyPr>
+            <a:normAutofit/>
+          </a:bodyPr>
+          <a:lstStyle/>
+          <a:p>
+            <a:r>
+              <a:rPr lang="zh-TW" altLang="en-US" b="1" dirty="0" smtClean="0">
+                <a:solidFill>
+                  <a:srgbClr val="660033"/>
+                </a:solidFill>
+                <a:latin typeface="微軟正黑體" pitchFamily="34" charset="-120"/>
+                <a:ea typeface="微軟正黑體" pitchFamily="34" charset="-120"/>
+                <a:cs typeface="+mn-cs"/>
+              </a:rPr>
+              <a:t>願你榮耀國度降臨</a:t>
+            </a:r>
+            <a:endParaRPr lang="zh-TW" altLang="en-US" b="1" dirty="0">
+              <a:solidFill>
+                <a:srgbClr val="660033"/>
+              </a:solidFill>
+              <a:latin typeface="微軟正黑體" pitchFamily="34" charset="-120"/>
+              <a:ea typeface="微軟正黑體" pitchFamily="34" charset="-120"/>
+              <a:cs typeface="+mn-cs"/>
+            </a:endParaRPr>
+          </a:p>
+        </p:txBody>
+      </p:sp>
+      <p:sp>
+        <p:nvSpPr>
+          <p:cNvPr id="3" name="內容版面配置區 2"/>
+          <p:cNvSpPr>
+            <a:spLocks noGrp="1"/>
+          </p:cNvSpPr>
+          <p:nvPr>
+            <p:ph idx="1"/>
+          </p:nvPr>
+        </p:nvSpPr>
+        <p:spPr>
+          <a:xfrm>
+            <a:off x="428596" y="1314472"/>
+            <a:ext cx="8429684" cy="5257800"/>
+          </a:xfrm>
+        </p:spPr>
+        <p:txBody>
+          <a:bodyPr>
+            <a:normAutofit/>
+          </a:bodyPr>
+          <a:lstStyle/>
+          <a:p>
+            <a:pPr algn="ctr">
+              <a:buNone/>
+            </a:pPr>
+            <a:r>
+              <a:rPr lang="zh-TW" altLang="en-US" sz="5400" b="1" dirty="0" smtClean="0">
+                <a:solidFill>
+                  <a:srgbClr val="660033"/>
+                </a:solidFill>
+                <a:latin typeface="微軟正黑體" pitchFamily="34" charset="-120"/>
+                <a:ea typeface="微軟正黑體" pitchFamily="34" charset="-120"/>
+              </a:rPr>
+              <a:t>願你榮耀國度降臨我們中間</a:t>
+            </a:r>
+            <a:endParaRPr lang="en-US" altLang="zh-TW" sz="5400" b="1" dirty="0" smtClean="0">
+              <a:solidFill>
+                <a:srgbClr val="660033"/>
+              </a:solidFill>
+              <a:latin typeface="微軟正黑體" pitchFamily="34" charset="-120"/>
+              <a:ea typeface="微軟正黑體" pitchFamily="34" charset="-120"/>
+            </a:endParaRPr>
+          </a:p>
+          <a:p>
+            <a:pPr algn="ctr">
+              <a:buNone/>
+            </a:pPr>
+            <a:r>
+              <a:rPr lang="zh-TW" altLang="en-US" sz="5400" b="1" dirty="0" smtClean="0">
+                <a:solidFill>
+                  <a:srgbClr val="660033"/>
+                </a:solidFill>
+                <a:latin typeface="微軟正黑體" pitchFamily="34" charset="-120"/>
+                <a:ea typeface="微軟正黑體" pitchFamily="34" charset="-120"/>
+              </a:rPr>
+              <a:t>聖靈降下焚燒眾人心靈</a:t>
+            </a:r>
+            <a:endParaRPr lang="en-US" altLang="zh-TW" sz="5400" b="1" dirty="0" smtClean="0">
+              <a:solidFill>
+                <a:srgbClr val="660033"/>
+              </a:solidFill>
+              <a:latin typeface="微軟正黑體" pitchFamily="34" charset="-120"/>
+              <a:ea typeface="微軟正黑體" pitchFamily="34" charset="-120"/>
+            </a:endParaRPr>
+          </a:p>
+          <a:p>
+            <a:pPr algn="ctr">
+              <a:buNone/>
+            </a:pPr>
+            <a:r>
+              <a:rPr lang="zh-TW" altLang="en-US" sz="5400" b="1" dirty="0" smtClean="0">
+                <a:solidFill>
+                  <a:srgbClr val="660033"/>
+                </a:solidFill>
+                <a:latin typeface="微軟正黑體" pitchFamily="34" charset="-120"/>
+                <a:ea typeface="微軟正黑體" pitchFamily="34" charset="-120"/>
+              </a:rPr>
+              <a:t>復興我們為失喪靈魂代求</a:t>
+            </a:r>
+            <a:endParaRPr lang="en-US" altLang="zh-TW" sz="5400" b="1" dirty="0" smtClean="0">
+              <a:solidFill>
+                <a:srgbClr val="660033"/>
+              </a:solidFill>
+              <a:latin typeface="微軟正黑體" pitchFamily="34" charset="-120"/>
+              <a:ea typeface="微軟正黑體" pitchFamily="34" charset="-120"/>
+            </a:endParaRPr>
+          </a:p>
+          <a:p>
+            <a:pPr algn="ctr">
+              <a:buNone/>
+            </a:pPr>
+            <a:r>
+              <a:rPr lang="zh-TW" altLang="en-US" sz="5400" b="1" dirty="0" smtClean="0">
+                <a:solidFill>
+                  <a:srgbClr val="660033"/>
+                </a:solidFill>
+                <a:latin typeface="微軟正黑體" pitchFamily="34" charset="-120"/>
+                <a:ea typeface="微軟正黑體" pitchFamily="34" charset="-120"/>
+              </a:rPr>
+              <a:t>悔改你寶座前同心合意</a:t>
+            </a:r>
+            <a:endParaRPr lang="en-US" altLang="zh-TW" sz="5400" b="1" dirty="0" smtClean="0">
+              <a:solidFill>
+                <a:srgbClr val="660033"/>
+              </a:solidFill>
+              <a:latin typeface="微軟正黑體" pitchFamily="34" charset="-120"/>
+              <a:ea typeface="微軟正黑體" pitchFamily="34" charset="-120"/>
+            </a:endParaRPr>
+          </a:p>
+          <a:p>
+            <a:pPr algn="ctr">
+              <a:buNone/>
+            </a:pPr>
+            <a:r>
+              <a:rPr lang="zh-TW" altLang="en-US" sz="5400" b="1" dirty="0" smtClean="0">
+                <a:solidFill>
+                  <a:srgbClr val="660033"/>
+                </a:solidFill>
+                <a:latin typeface="微軟正黑體" pitchFamily="34" charset="-120"/>
+                <a:ea typeface="微軟正黑體" pitchFamily="34" charset="-120"/>
+              </a:rPr>
+              <a:t>剛強壯膽往普天下去</a:t>
+            </a:r>
+            <a:endParaRPr lang="en-US" altLang="zh-TW" sz="5400" b="1" dirty="0" smtClean="0">
+              <a:solidFill>
+                <a:srgbClr val="660033"/>
+              </a:solidFill>
+              <a:latin typeface="微軟正黑體" pitchFamily="34" charset="-120"/>
+              <a:ea typeface="微軟正黑體" pitchFamily="34" charset="-120"/>
+            </a:endParaRPr>
+          </a:p>
+        </p:txBody>
+      </p:sp>
+    </p:spTree>
+  </p:cSld>
+  <p:clrMapOvr>
+    <a:masterClrMapping/>
+  </p:clrMapOvr>
+  <p:timing>
+    <p:tnLst>
+      <p:par>
+        <p:cTn id="1" dur="indefinite" restart="never" nodeType="tmRoot"/>
+      </p:par>
+    </p:tnLst>
+  </p:timing>
+</p:sld>
+</file>
+
+<file path=ppt/slides/slide21.xml><?xml version="1.0" encoding="utf-8"?>
+<p:sld xmlns:a="http://schemas.openxmlformats.org/drawingml/2006/main" xmlns:r="http://schemas.openxmlformats.org/officeDocument/2006/relationships" xmlns:p="http://schemas.openxmlformats.org/presentationml/2006/main">
+  <p:cSld>
+    <p:spTree>
+      <p:nvGrpSpPr>
+        <p:cNvPr id="1" name=""/>
+        <p:cNvGrpSpPr/>
+        <p:nvPr/>
+      </p:nvGrpSpPr>
+      <p:grpSpPr>
+        <a:xfrm>
+          <a:off x="0" y="0"/>
+          <a:ext cx="0" cy="0"/>
+          <a:chOff x="0" y="0"/>
+          <a:chExt cx="0" cy="0"/>
+        </a:xfrm>
+      </p:grpSpPr>
+      <p:sp>
+        <p:nvSpPr>
+          <p:cNvPr id="2" name="標題 1"/>
+          <p:cNvSpPr>
+            <a:spLocks noGrp="1"/>
+          </p:cNvSpPr>
+          <p:nvPr>
+            <p:ph type="title"/>
+          </p:nvPr>
+        </p:nvSpPr>
+        <p:spPr>
+          <a:xfrm>
+            <a:off x="500034" y="142852"/>
+            <a:ext cx="8229600" cy="1143000"/>
+          </a:xfrm>
+        </p:spPr>
+        <p:txBody>
+          <a:bodyPr>
+            <a:normAutofit/>
+          </a:bodyPr>
+          <a:lstStyle/>
+          <a:p>
+            <a:r>
+              <a:rPr lang="zh-TW" altLang="en-US" b="1" dirty="0" smtClean="0">
+                <a:solidFill>
+                  <a:srgbClr val="660033"/>
+                </a:solidFill>
+                <a:latin typeface="微軟正黑體" pitchFamily="34" charset="-120"/>
+                <a:ea typeface="微軟正黑體" pitchFamily="34" charset="-120"/>
+                <a:cs typeface="+mn-cs"/>
+              </a:rPr>
+              <a:t>願你榮耀國度降臨</a:t>
+            </a:r>
+            <a:endParaRPr lang="zh-TW" altLang="en-US" b="1" dirty="0">
+              <a:solidFill>
+                <a:srgbClr val="660033"/>
+              </a:solidFill>
+              <a:latin typeface="微軟正黑體" pitchFamily="34" charset="-120"/>
+              <a:ea typeface="微軟正黑體" pitchFamily="34" charset="-120"/>
+              <a:cs typeface="+mn-cs"/>
+            </a:endParaRPr>
+          </a:p>
+        </p:txBody>
+      </p:sp>
+      <p:sp>
+        <p:nvSpPr>
+          <p:cNvPr id="3" name="內容版面配置區 2"/>
+          <p:cNvSpPr>
+            <a:spLocks noGrp="1"/>
+          </p:cNvSpPr>
+          <p:nvPr>
+            <p:ph idx="1"/>
+          </p:nvPr>
+        </p:nvSpPr>
+        <p:spPr>
+          <a:xfrm>
+            <a:off x="428596" y="1314472"/>
+            <a:ext cx="8429684" cy="5257800"/>
+          </a:xfrm>
+        </p:spPr>
+        <p:txBody>
+          <a:bodyPr>
+            <a:normAutofit/>
+          </a:bodyPr>
+          <a:lstStyle/>
+          <a:p>
+            <a:pPr algn="ctr">
+              <a:buNone/>
+            </a:pPr>
+            <a:r>
+              <a:rPr lang="zh-TW" altLang="en-US" sz="5400" b="1" dirty="0" smtClean="0">
+                <a:solidFill>
+                  <a:srgbClr val="660033"/>
+                </a:solidFill>
+                <a:latin typeface="微軟正黑體" pitchFamily="34" charset="-120"/>
+                <a:ea typeface="微軟正黑體" pitchFamily="34" charset="-120"/>
+              </a:rPr>
+              <a:t>願你榮耀國度降臨我們中間</a:t>
+            </a:r>
+            <a:endParaRPr lang="en-US" altLang="zh-TW" sz="5400" b="1" dirty="0" smtClean="0">
+              <a:solidFill>
+                <a:srgbClr val="660033"/>
+              </a:solidFill>
+              <a:latin typeface="微軟正黑體" pitchFamily="34" charset="-120"/>
+              <a:ea typeface="微軟正黑體" pitchFamily="34" charset="-120"/>
+            </a:endParaRPr>
+          </a:p>
+          <a:p>
+            <a:pPr algn="ctr">
+              <a:buNone/>
+            </a:pPr>
+            <a:r>
+              <a:rPr lang="zh-TW" altLang="en-US" sz="5400" b="1" dirty="0" smtClean="0">
+                <a:solidFill>
+                  <a:srgbClr val="660033"/>
+                </a:solidFill>
+                <a:latin typeface="微軟正黑體" pitchFamily="34" charset="-120"/>
+                <a:ea typeface="微軟正黑體" pitchFamily="34" charset="-120"/>
+              </a:rPr>
+              <a:t>聖靈降下焚燒眾人心靈</a:t>
+            </a:r>
+            <a:endParaRPr lang="en-US" altLang="zh-TW" sz="5400" b="1" dirty="0" smtClean="0">
+              <a:solidFill>
+                <a:srgbClr val="660033"/>
+              </a:solidFill>
+              <a:latin typeface="微軟正黑體" pitchFamily="34" charset="-120"/>
+              <a:ea typeface="微軟正黑體" pitchFamily="34" charset="-120"/>
+            </a:endParaRPr>
+          </a:p>
+          <a:p>
+            <a:pPr algn="ctr">
+              <a:buNone/>
+            </a:pPr>
+            <a:r>
+              <a:rPr lang="zh-TW" altLang="en-US" sz="5400" b="1" dirty="0" smtClean="0">
+                <a:solidFill>
+                  <a:srgbClr val="660033"/>
+                </a:solidFill>
+                <a:latin typeface="微軟正黑體" pitchFamily="34" charset="-120"/>
+                <a:ea typeface="微軟正黑體" pitchFamily="34" charset="-120"/>
+              </a:rPr>
+              <a:t>復興我們為失喪靈魂代求</a:t>
+            </a:r>
+            <a:endParaRPr lang="en-US" altLang="zh-TW" sz="5400" b="1" dirty="0" smtClean="0">
+              <a:solidFill>
+                <a:srgbClr val="660033"/>
+              </a:solidFill>
+              <a:latin typeface="微軟正黑體" pitchFamily="34" charset="-120"/>
+              <a:ea typeface="微軟正黑體" pitchFamily="34" charset="-120"/>
+            </a:endParaRPr>
+          </a:p>
+          <a:p>
+            <a:pPr algn="ctr">
+              <a:buNone/>
+            </a:pPr>
+            <a:r>
+              <a:rPr lang="zh-TW" altLang="en-US" sz="5400" b="1" dirty="0" smtClean="0">
+                <a:solidFill>
+                  <a:srgbClr val="660033"/>
+                </a:solidFill>
+                <a:latin typeface="微軟正黑體" pitchFamily="34" charset="-120"/>
+                <a:ea typeface="微軟正黑體" pitchFamily="34" charset="-120"/>
+              </a:rPr>
+              <a:t>建立你的教會傳揚福音</a:t>
+            </a:r>
+            <a:endParaRPr lang="en-US" altLang="zh-TW" sz="5400" b="1" dirty="0" smtClean="0">
+              <a:solidFill>
+                <a:srgbClr val="660033"/>
+              </a:solidFill>
+              <a:latin typeface="微軟正黑體" pitchFamily="34" charset="-120"/>
+              <a:ea typeface="微軟正黑體" pitchFamily="34" charset="-120"/>
+            </a:endParaRPr>
+          </a:p>
+          <a:p>
+            <a:pPr algn="ctr">
+              <a:buNone/>
+            </a:pPr>
+            <a:r>
+              <a:rPr lang="zh-TW" altLang="en-US" sz="5400" b="1" dirty="0" smtClean="0">
+                <a:solidFill>
+                  <a:srgbClr val="660033"/>
+                </a:solidFill>
+                <a:latin typeface="微軟正黑體" pitchFamily="34" charset="-120"/>
+                <a:ea typeface="微軟正黑體" pitchFamily="34" charset="-120"/>
+              </a:rPr>
+              <a:t>願你榮耀在全地彰顯</a:t>
+            </a:r>
+            <a:endParaRPr lang="zh-TW" altLang="en-US" sz="5400" dirty="0" smtClean="0"/>
           </a:p>
         </p:txBody>
       </p:sp>
@@ -3798,7 +6369,12 @@
             <p:ph idx="1"/>
           </p:nvPr>
         </p:nvSpPr>
-        <p:spPr/>
+        <p:spPr>
+          <a:xfrm>
+            <a:off x="0" y="1600200"/>
+            <a:ext cx="9144000" cy="4525963"/>
+          </a:xfrm>
+        </p:spPr>
         <p:txBody>
           <a:bodyPr anchor="ctr">
             <a:noAutofit/>
@@ -3816,17 +6392,37 @@
                 <a:latin typeface="微軟正黑體" pitchFamily="34" charset="-120"/>
                 <a:ea typeface="微軟正黑體" pitchFamily="34" charset="-120"/>
               </a:rPr>
-              <a:t>願你興起守望的</a:t>
-            </a:r>
-            <a:r>
-              <a:rPr lang="zh-TW" altLang="en-US" sz="5400" b="1" dirty="0" smtClean="0">
-                <a:solidFill>
-                  <a:srgbClr val="660033"/>
-                </a:solidFill>
-                <a:latin typeface="微軟正黑體" pitchFamily="34" charset="-120"/>
-                <a:ea typeface="微軟正黑體" pitchFamily="34" charset="-120"/>
-              </a:rPr>
-              <a:t>大軍</a:t>
+              <a:t>站在破口</a:t>
+            </a:r>
+            <a:r>
+              <a:rPr lang="zh-TW" altLang="en-US" sz="5400" b="1" dirty="0" smtClean="0">
+                <a:solidFill>
+                  <a:srgbClr val="660033"/>
+                </a:solidFill>
+                <a:latin typeface="微軟正黑體" pitchFamily="34" charset="-120"/>
+                <a:ea typeface="微軟正黑體" pitchFamily="34" charset="-120"/>
+              </a:rPr>
+              <a:t>中  為</a:t>
+            </a:r>
+            <a:r>
+              <a:rPr lang="zh-TW" altLang="en-US" sz="5400" b="1" dirty="0">
+                <a:solidFill>
+                  <a:srgbClr val="660033"/>
+                </a:solidFill>
+                <a:latin typeface="微軟正黑體" pitchFamily="34" charset="-120"/>
+                <a:ea typeface="微軟正黑體" pitchFamily="34" charset="-120"/>
+              </a:rPr>
+              <a:t>這世代呼</a:t>
+            </a:r>
+            <a:r>
+              <a:rPr lang="zh-TW" altLang="en-US" sz="5400" b="1" dirty="0" smtClean="0">
+                <a:solidFill>
+                  <a:srgbClr val="660033"/>
+                </a:solidFill>
+                <a:latin typeface="微軟正黑體" pitchFamily="34" charset="-120"/>
+                <a:ea typeface="微軟正黑體" pitchFamily="34" charset="-120"/>
+              </a:rPr>
+              <a:t>求</a:t>
             </a:r>
             <a:endParaRPr lang="en-US" altLang="zh-TW" sz="5400" b="1" dirty="0" smtClean="0">
               <a:solidFill>
@@ -3848,7 +6444,7 @@
                 <a:latin typeface="微軟正黑體" pitchFamily="34" charset="-120"/>
                 <a:ea typeface="微軟正黑體" pitchFamily="34" charset="-120"/>
               </a:rPr>
-              <a:t>帶</a:t>
+              <a:t>流淚如何  傾心</a:t>
             </a:r>
             <a:r>
               <a:rPr lang="zh-TW" altLang="en-US" sz="5400" b="1" dirty="0">
@@ -3858,17 +6454,17 @@
                 <a:latin typeface="微軟正黑體" pitchFamily="34" charset="-120"/>
                 <a:ea typeface="微軟正黑體" pitchFamily="34" charset="-120"/>
               </a:rPr>
-              <a:t>著信心堅定抵擋</a:t>
-            </a:r>
-            <a:r>
-              <a:rPr lang="zh-TW" altLang="en-US" sz="5400" b="1" dirty="0" smtClean="0">
-                <a:solidFill>
-                  <a:srgbClr val="660033"/>
-                </a:solidFill>
-                <a:latin typeface="微軟正黑體" pitchFamily="34" charset="-120"/>
-                <a:ea typeface="微軟正黑體" pitchFamily="34" charset="-120"/>
-              </a:rPr>
-              <a:t>仇敵</a:t>
+              <a:t>如</a:t>
+            </a:r>
+            <a:r>
+              <a:rPr lang="zh-TW" altLang="en-US" sz="5400" b="1" dirty="0" smtClean="0">
+                <a:solidFill>
+                  <a:srgbClr val="660033"/>
+                </a:solidFill>
+                <a:latin typeface="微軟正黑體" pitchFamily="34" charset="-120"/>
+                <a:ea typeface="微軟正黑體" pitchFamily="34" charset="-120"/>
+              </a:rPr>
+              <a:t>水</a:t>
             </a:r>
             <a:endParaRPr lang="en-US" altLang="zh-TW" sz="5400" b="1" dirty="0" smtClean="0">
               <a:solidFill>
@@ -3890,7 +6486,7 @@
                 <a:latin typeface="微軟正黑體" pitchFamily="34" charset="-120"/>
                 <a:ea typeface="微軟正黑體" pitchFamily="34" charset="-120"/>
               </a:rPr>
-              <a:t>用</a:t>
+              <a:t>祈求</a:t>
             </a:r>
             <a:r>
               <a:rPr lang="zh-TW" altLang="en-US" sz="5400" b="1" dirty="0">
@@ -3900,59 +6496,17 @@
                 <a:latin typeface="微軟正黑體" pitchFamily="34" charset="-120"/>
                 <a:ea typeface="微軟正黑體" pitchFamily="34" charset="-120"/>
               </a:rPr>
-              <a:t>你的話語爭</a:t>
-            </a:r>
-            <a:r>
-              <a:rPr lang="zh-TW" altLang="en-US" sz="5400" b="1" dirty="0" smtClean="0">
-                <a:solidFill>
-                  <a:srgbClr val="660033"/>
-                </a:solidFill>
-                <a:latin typeface="微軟正黑體" pitchFamily="34" charset="-120"/>
-                <a:ea typeface="微軟正黑體" pitchFamily="34" charset="-120"/>
-              </a:rPr>
-              <a:t>戰</a:t>
-            </a:r>
-            <a:endParaRPr lang="en-US" altLang="zh-TW" sz="5400" b="1" dirty="0" smtClean="0">
-              <a:solidFill>
-                <a:srgbClr val="660033"/>
-              </a:solidFill>
-              <a:latin typeface="微軟正黑體" pitchFamily="34" charset="-120"/>
-              <a:ea typeface="微軟正黑體" pitchFamily="34" charset="-120"/>
-            </a:endParaRPr>
-          </a:p>
-          <a:p>
-            <a:pPr algn="ctr">
-              <a:buNone/>
-            </a:pPr>
-            <a:r>
-              <a:rPr lang="zh-TW" altLang="en-US" sz="5400" b="1" dirty="0" smtClean="0">
-                <a:solidFill>
-                  <a:srgbClr val="660033"/>
-                </a:solidFill>
-                <a:latin typeface="微軟正黑體" pitchFamily="34" charset="-120"/>
-                <a:ea typeface="微軟正黑體" pitchFamily="34" charset="-120"/>
-              </a:rPr>
-              <a:t>宣告</a:t>
-            </a:r>
-            <a:r>
-              <a:rPr lang="zh-TW" altLang="en-US" sz="5400" b="1" dirty="0">
-                <a:solidFill>
-                  <a:srgbClr val="660033"/>
-                </a:solidFill>
-                <a:latin typeface="微軟正黑體" pitchFamily="34" charset="-120"/>
-                <a:ea typeface="微軟正黑體" pitchFamily="34" charset="-120"/>
-              </a:rPr>
-              <a:t>你國度</a:t>
-            </a:r>
-            <a:r>
-              <a:rPr lang="zh-TW" altLang="en-US" sz="5400" b="1" dirty="0" smtClean="0">
-                <a:solidFill>
-                  <a:srgbClr val="660033"/>
-                </a:solidFill>
-                <a:latin typeface="微軟正黑體" pitchFamily="34" charset="-120"/>
-                <a:ea typeface="微軟正黑體" pitchFamily="34" charset="-120"/>
-              </a:rPr>
-              <a:t>降臨</a:t>
+              <a:t>不</a:t>
+            </a:r>
+            <a:r>
+              <a:rPr lang="zh-TW" altLang="en-US" sz="5400" b="1" dirty="0" smtClean="0">
+                <a:solidFill>
+                  <a:srgbClr val="660033"/>
+                </a:solidFill>
+                <a:latin typeface="微軟正黑體" pitchFamily="34" charset="-120"/>
+                <a:ea typeface="微軟正黑體" pitchFamily="34" charset="-120"/>
+              </a:rPr>
+              <a:t>疲倦</a:t>
             </a:r>
             <a:endParaRPr lang="zh-TW" altLang="en-US" sz="5400" b="1" dirty="0">
               <a:solidFill>
@@ -4034,7 +6588,12 @@
             <p:ph idx="1"/>
           </p:nvPr>
         </p:nvSpPr>
-        <p:spPr/>
+        <p:spPr>
+          <a:xfrm>
+            <a:off x="0" y="1600200"/>
+            <a:ext cx="9144000" cy="4525963"/>
+          </a:xfrm>
+        </p:spPr>
         <p:txBody>
           <a:bodyPr anchor="ctr">
             <a:noAutofit/>
@@ -4052,7 +6611,7 @@
                 <a:latin typeface="微軟正黑體" pitchFamily="34" charset="-120"/>
                 <a:ea typeface="微軟正黑體" pitchFamily="34" charset="-120"/>
               </a:rPr>
-              <a:t>大聲</a:t>
+              <a:t>我們</a:t>
             </a:r>
             <a:r>
               <a:rPr lang="zh-TW" altLang="en-US" sz="5400" b="1" dirty="0">
@@ -4062,17 +6621,37 @@
                 <a:latin typeface="微軟正黑體" pitchFamily="34" charset="-120"/>
                 <a:ea typeface="微軟正黑體" pitchFamily="34" charset="-120"/>
               </a:rPr>
-              <a:t>呼</a:t>
-            </a:r>
-            <a:r>
-              <a:rPr lang="zh-TW" altLang="en-US" sz="5400" b="1" dirty="0" smtClean="0">
-                <a:solidFill>
-                  <a:srgbClr val="660033"/>
-                </a:solidFill>
-                <a:latin typeface="微軟正黑體" pitchFamily="34" charset="-120"/>
-                <a:ea typeface="微軟正黑體" pitchFamily="34" charset="-120"/>
-              </a:rPr>
-              <a:t>求  永不放棄</a:t>
+              <a:t>的呼</a:t>
+            </a:r>
+            <a:r>
+              <a:rPr lang="zh-TW" altLang="en-US" sz="5400" b="1" dirty="0" smtClean="0">
+                <a:solidFill>
+                  <a:srgbClr val="660033"/>
+                </a:solidFill>
+                <a:latin typeface="微軟正黑體" pitchFamily="34" charset="-120"/>
+                <a:ea typeface="微軟正黑體" pitchFamily="34" charset="-120"/>
+              </a:rPr>
+              <a:t>求  要</a:t>
+            </a:r>
+            <a:r>
+              <a:rPr lang="zh-TW" altLang="en-US" sz="5400" b="1" dirty="0">
+                <a:solidFill>
+                  <a:srgbClr val="660033"/>
+                </a:solidFill>
+                <a:latin typeface="微軟正黑體" pitchFamily="34" charset="-120"/>
+                <a:ea typeface="微軟正黑體" pitchFamily="34" charset="-120"/>
+              </a:rPr>
+              <a:t>震動這</a:t>
+            </a:r>
+            <a:r>
+              <a:rPr lang="zh-TW" altLang="en-US" sz="5400" b="1" dirty="0" smtClean="0">
+                <a:solidFill>
+                  <a:srgbClr val="660033"/>
+                </a:solidFill>
+                <a:latin typeface="微軟正黑體" pitchFamily="34" charset="-120"/>
+                <a:ea typeface="微軟正黑體" pitchFamily="34" charset="-120"/>
+              </a:rPr>
+              <a:t>世代</a:t>
             </a:r>
             <a:endParaRPr lang="en-US" altLang="zh-TW" sz="5400" b="1" dirty="0" smtClean="0">
               <a:solidFill>
@@ -4094,7 +6673,27 @@
                 <a:latin typeface="微軟正黑體" pitchFamily="34" charset="-120"/>
                 <a:ea typeface="微軟正黑體" pitchFamily="34" charset="-120"/>
               </a:rPr>
-              <a:t>清晨夜晚  徹夜守望</a:t>
+              <a:t>靠著聖靈  禱告</a:t>
+            </a:r>
+            <a:r>
+              <a:rPr lang="zh-TW" altLang="en-US" sz="5400" b="1" dirty="0">
+                <a:solidFill>
+                  <a:srgbClr val="660033"/>
+                </a:solidFill>
+                <a:latin typeface="微軟正黑體" pitchFamily="34" charset="-120"/>
+                <a:ea typeface="微軟正黑體" pitchFamily="34" charset="-120"/>
+              </a:rPr>
+              <a:t>的</a:t>
+            </a:r>
+            <a:r>
+              <a:rPr lang="zh-TW" altLang="en-US" sz="5400" b="1" dirty="0" smtClean="0">
+                <a:solidFill>
+                  <a:srgbClr val="660033"/>
+                </a:solidFill>
+                <a:latin typeface="微軟正黑體" pitchFamily="34" charset="-120"/>
+                <a:ea typeface="微軟正黑體" pitchFamily="34" charset="-120"/>
+              </a:rPr>
+              <a:t>火</a:t>
             </a:r>
             <a:endParaRPr lang="en-US" altLang="zh-TW" sz="5400" b="1" dirty="0" smtClean="0">
               <a:solidFill>
@@ -4116,7 +6715,7 @@
                 <a:latin typeface="微軟正黑體" pitchFamily="34" charset="-120"/>
                 <a:ea typeface="微軟正黑體" pitchFamily="34" charset="-120"/>
               </a:rPr>
-              <a:t>向</a:t>
+              <a:t>來</a:t>
             </a:r>
             <a:r>
               <a:rPr lang="zh-TW" altLang="en-US" sz="5400" b="1" dirty="0">
@@ -4126,17 +6725,17 @@
                 <a:latin typeface="微軟正黑體" pitchFamily="34" charset="-120"/>
                 <a:ea typeface="微軟正黑體" pitchFamily="34" charset="-120"/>
               </a:rPr>
-              <a:t>你求耶利米的</a:t>
-            </a:r>
-            <a:r>
-              <a:rPr lang="zh-TW" altLang="en-US" sz="5400" b="1" dirty="0" smtClean="0">
-                <a:solidFill>
-                  <a:srgbClr val="660033"/>
-                </a:solidFill>
-                <a:latin typeface="微軟正黑體" pitchFamily="34" charset="-120"/>
-                <a:ea typeface="微軟正黑體" pitchFamily="34" charset="-120"/>
-              </a:rPr>
-              <a:t>心</a:t>
+              <a:t>焚燒</a:t>
+            </a:r>
+            <a:r>
+              <a:rPr lang="zh-TW" altLang="en-US" sz="5400" b="1" dirty="0" smtClean="0">
+                <a:solidFill>
+                  <a:srgbClr val="660033"/>
+                </a:solidFill>
+                <a:latin typeface="微軟正黑體" pitchFamily="34" charset="-120"/>
+                <a:ea typeface="微軟正黑體" pitchFamily="34" charset="-120"/>
+              </a:rPr>
+              <a:t>我們</a:t>
             </a:r>
             <a:endParaRPr lang="zh-TW" altLang="en-US" sz="5400" b="1" dirty="0">
               <a:solidFill>
@@ -4236,17 +6835,17 @@
                 <a:latin typeface="微軟正黑體" pitchFamily="34" charset="-120"/>
                 <a:ea typeface="微軟正黑體" pitchFamily="34" charset="-120"/>
               </a:rPr>
-              <a:t>大聲呼</a:t>
-            </a:r>
-            <a:r>
-              <a:rPr lang="zh-TW" altLang="en-US" sz="5400" b="1" dirty="0" smtClean="0">
-                <a:solidFill>
-                  <a:srgbClr val="660033"/>
-                </a:solidFill>
-                <a:latin typeface="微軟正黑體" pitchFamily="34" charset="-120"/>
-                <a:ea typeface="微軟正黑體" pitchFamily="34" charset="-120"/>
-              </a:rPr>
-              <a:t>求  永不放棄</a:t>
+              <a:t>願你興起守望的</a:t>
+            </a:r>
+            <a:r>
+              <a:rPr lang="zh-TW" altLang="en-US" sz="5400" b="1" dirty="0" smtClean="0">
+                <a:solidFill>
+                  <a:srgbClr val="660033"/>
+                </a:solidFill>
+                <a:latin typeface="微軟正黑體" pitchFamily="34" charset="-120"/>
+                <a:ea typeface="微軟正黑體" pitchFamily="34" charset="-120"/>
+              </a:rPr>
+              <a:t>大軍</a:t>
             </a:r>
             <a:endParaRPr lang="en-US" altLang="zh-TW" sz="5400" b="1" dirty="0" smtClean="0">
               <a:solidFill>
@@ -4268,7 +6867,27 @@
                 <a:latin typeface="微軟正黑體" pitchFamily="34" charset="-120"/>
                 <a:ea typeface="微軟正黑體" pitchFamily="34" charset="-120"/>
               </a:rPr>
-              <a:t>清晨夜晚  徹夜守望</a:t>
+              <a:t>帶</a:t>
+            </a:r>
+            <a:r>
+              <a:rPr lang="zh-TW" altLang="en-US" sz="5400" b="1" dirty="0">
+                <a:solidFill>
+                  <a:srgbClr val="660033"/>
+                </a:solidFill>
+                <a:latin typeface="微軟正黑體" pitchFamily="34" charset="-120"/>
+                <a:ea typeface="微軟正黑體" pitchFamily="34" charset="-120"/>
+              </a:rPr>
+              <a:t>著信心堅定抵擋</a:t>
+            </a:r>
+            <a:r>
+              <a:rPr lang="zh-TW" altLang="en-US" sz="5400" b="1" dirty="0" smtClean="0">
+                <a:solidFill>
+                  <a:srgbClr val="660033"/>
+                </a:solidFill>
+                <a:latin typeface="微軟正黑體" pitchFamily="34" charset="-120"/>
+                <a:ea typeface="微軟正黑體" pitchFamily="34" charset="-120"/>
+              </a:rPr>
+              <a:t>仇敵</a:t>
             </a:r>
             <a:endParaRPr lang="en-US" altLang="zh-TW" sz="5400" b="1" dirty="0" smtClean="0">
               <a:solidFill>
@@ -4290,7 +6909,7 @@
                 <a:latin typeface="微軟正黑體" pitchFamily="34" charset="-120"/>
                 <a:ea typeface="微軟正黑體" pitchFamily="34" charset="-120"/>
               </a:rPr>
-              <a:t>將</a:t>
+              <a:t>用</a:t>
             </a:r>
             <a:r>
               <a:rPr lang="zh-TW" altLang="en-US" sz="5400" b="1" dirty="0">
@@ -4300,17 +6919,59 @@
                 <a:latin typeface="微軟正黑體" pitchFamily="34" charset="-120"/>
                 <a:ea typeface="微軟正黑體" pitchFamily="34" charset="-120"/>
               </a:rPr>
-              <a:t>你心意釋放這</a:t>
-            </a:r>
-            <a:r>
-              <a:rPr lang="zh-TW" altLang="en-US" sz="5400" b="1" dirty="0" smtClean="0">
-                <a:solidFill>
-                  <a:srgbClr val="660033"/>
-                </a:solidFill>
-                <a:latin typeface="微軟正黑體" pitchFamily="34" charset="-120"/>
-                <a:ea typeface="微軟正黑體" pitchFamily="34" charset="-120"/>
-              </a:rPr>
-              <a:t>世代</a:t>
+              <a:t>你的話語爭</a:t>
+            </a:r>
+            <a:r>
+              <a:rPr lang="zh-TW" altLang="en-US" sz="5400" b="1" dirty="0" smtClean="0">
+                <a:solidFill>
+                  <a:srgbClr val="660033"/>
+                </a:solidFill>
+                <a:latin typeface="微軟正黑體" pitchFamily="34" charset="-120"/>
+                <a:ea typeface="微軟正黑體" pitchFamily="34" charset="-120"/>
+              </a:rPr>
+              <a:t>戰</a:t>
+            </a:r>
+            <a:endParaRPr lang="en-US" altLang="zh-TW" sz="5400" b="1" dirty="0" smtClean="0">
+              <a:solidFill>
+                <a:srgbClr val="660033"/>
+              </a:solidFill>
+              <a:latin typeface="微軟正黑體" pitchFamily="34" charset="-120"/>
+              <a:ea typeface="微軟正黑體" pitchFamily="34" charset="-120"/>
+            </a:endParaRPr>
+          </a:p>
+          <a:p>
+            <a:pPr algn="ctr">
+              <a:buNone/>
+            </a:pPr>
+            <a:r>
+              <a:rPr lang="zh-TW" altLang="en-US" sz="5400" b="1" dirty="0" smtClean="0">
+                <a:solidFill>
+                  <a:srgbClr val="660033"/>
+                </a:solidFill>
+                <a:latin typeface="微軟正黑體" pitchFamily="34" charset="-120"/>
+                <a:ea typeface="微軟正黑體" pitchFamily="34" charset="-120"/>
+              </a:rPr>
+              <a:t>宣告</a:t>
+            </a:r>
+            <a:r>
+              <a:rPr lang="zh-TW" altLang="en-US" sz="5400" b="1" dirty="0">
+                <a:solidFill>
+                  <a:srgbClr val="660033"/>
+                </a:solidFill>
+                <a:latin typeface="微軟正黑體" pitchFamily="34" charset="-120"/>
+                <a:ea typeface="微軟正黑體" pitchFamily="34" charset="-120"/>
+              </a:rPr>
+              <a:t>你國度</a:t>
+            </a:r>
+            <a:r>
+              <a:rPr lang="zh-TW" altLang="en-US" sz="5400" b="1" dirty="0" smtClean="0">
+                <a:solidFill>
+                  <a:srgbClr val="660033"/>
+                </a:solidFill>
+                <a:latin typeface="微軟正黑體" pitchFamily="34" charset="-120"/>
+                <a:ea typeface="微軟正黑體" pitchFamily="34" charset="-120"/>
+              </a:rPr>
+              <a:t>降臨</a:t>
             </a:r>
             <a:endParaRPr lang="zh-TW" altLang="en-US" sz="5400" b="1" dirty="0">
               <a:solidFill>
@@ -4364,74 +7025,73 @@
             <p:ph type="title"/>
           </p:nvPr>
         </p:nvSpPr>
-        <p:spPr>
-          <a:xfrm>
-            <a:off x="500034" y="142852"/>
-            <a:ext cx="8229600" cy="1143000"/>
-          </a:xfrm>
-        </p:spPr>
-        <p:txBody>
-          <a:bodyPr>
-            <a:normAutofit/>
+        <p:spPr/>
+        <p:txBody>
+          <a:bodyPr/>
+          <a:lstStyle/>
+          <a:p>
+            <a:r>
+              <a:rPr lang="zh-TW" altLang="en-US" b="1" dirty="0">
+                <a:solidFill>
+                  <a:srgbClr val="660033"/>
+                </a:solidFill>
+                <a:latin typeface="微軟正黑體" pitchFamily="34" charset="-120"/>
+                <a:ea typeface="微軟正黑體" pitchFamily="34" charset="-120"/>
+              </a:rPr>
+              <a:t>禱告的大軍</a:t>
+            </a:r>
+          </a:p>
+        </p:txBody>
+      </p:sp>
+      <p:sp>
+        <p:nvSpPr>
+          <p:cNvPr id="3" name="內容版面配置區 2"/>
+          <p:cNvSpPr>
+            <a:spLocks noGrp="1"/>
+          </p:cNvSpPr>
+          <p:nvPr>
+            <p:ph idx="1"/>
+          </p:nvPr>
+        </p:nvSpPr>
+        <p:spPr/>
+        <p:txBody>
+          <a:bodyPr anchor="ctr">
+            <a:noAutofit/>
           </a:bodyPr>
           <a:lstStyle/>
           <a:p>
-            <a:r>
-              <a:rPr lang="zh-TW" altLang="en-US" b="1" dirty="0" smtClean="0">
-                <a:solidFill>
-                  <a:srgbClr val="660033"/>
-                </a:solidFill>
-                <a:latin typeface="微軟正黑體" pitchFamily="34" charset="-120"/>
-                <a:ea typeface="微軟正黑體" pitchFamily="34" charset="-120"/>
-                <a:cs typeface="+mn-cs"/>
-              </a:rPr>
-              <a:t>願你榮耀國度降臨</a:t>
-            </a:r>
-            <a:endParaRPr lang="zh-TW" altLang="en-US" b="1" dirty="0">
-              <a:solidFill>
-                <a:srgbClr val="660033"/>
-              </a:solidFill>
-              <a:latin typeface="微軟正黑體" pitchFamily="34" charset="-120"/>
-              <a:ea typeface="微軟正黑體" pitchFamily="34" charset="-120"/>
-              <a:cs typeface="+mn-cs"/>
-            </a:endParaRPr>
-          </a:p>
-        </p:txBody>
-      </p:sp>
-      <p:sp>
-        <p:nvSpPr>
-          <p:cNvPr id="3" name="內容版面配置區 2"/>
-          <p:cNvSpPr>
-            <a:spLocks noGrp="1"/>
-          </p:cNvSpPr>
-          <p:nvPr>
-            <p:ph idx="1"/>
-          </p:nvPr>
-        </p:nvSpPr>
-        <p:spPr>
-          <a:xfrm>
-            <a:off x="571472" y="1214422"/>
-            <a:ext cx="8229600" cy="5643578"/>
-          </a:xfrm>
-        </p:spPr>
-        <p:txBody>
-          <a:bodyPr>
-            <a:normAutofit lnSpcReduction="10000"/>
-          </a:bodyPr>
-          <a:lstStyle/>
-          <a:p>
-            <a:pPr algn="ctr">
-              <a:buNone/>
-            </a:pPr>
-            <a:r>
-              <a:rPr lang="zh-TW" altLang="en-US" sz="5400" b="1" dirty="0" smtClean="0">
-                <a:solidFill>
-                  <a:srgbClr val="660033"/>
-                </a:solidFill>
-                <a:latin typeface="微軟正黑體" pitchFamily="34" charset="-120"/>
-                <a:ea typeface="微軟正黑體" pitchFamily="34" charset="-120"/>
-              </a:rPr>
-              <a:t>主我們謙卑屈膝</a:t>
+            <a:pPr algn="ctr">
+              <a:buNone/>
+            </a:pPr>
+            <a:r>
+              <a:rPr lang="zh-TW" altLang="en-US" sz="5400" b="1" dirty="0" smtClean="0">
+                <a:solidFill>
+                  <a:srgbClr val="660033"/>
+                </a:solidFill>
+                <a:latin typeface="微軟正黑體" pitchFamily="34" charset="-120"/>
+                <a:ea typeface="微軟正黑體" pitchFamily="34" charset="-120"/>
+              </a:rPr>
+              <a:t>大聲</a:t>
+            </a:r>
+            <a:r>
+              <a:rPr lang="zh-TW" altLang="en-US" sz="5400" b="1" dirty="0">
+                <a:solidFill>
+                  <a:srgbClr val="660033"/>
+                </a:solidFill>
+                <a:latin typeface="微軟正黑體" pitchFamily="34" charset="-120"/>
+                <a:ea typeface="微軟正黑體" pitchFamily="34" charset="-120"/>
+              </a:rPr>
+              <a:t>呼</a:t>
+            </a:r>
+            <a:r>
+              <a:rPr lang="zh-TW" altLang="en-US" sz="5400" b="1" dirty="0" smtClean="0">
+                <a:solidFill>
+                  <a:srgbClr val="660033"/>
+                </a:solidFill>
+                <a:latin typeface="微軟正黑體" pitchFamily="34" charset="-120"/>
+                <a:ea typeface="微軟正黑體" pitchFamily="34" charset="-120"/>
+              </a:rPr>
+              <a:t>求  永不放棄</a:t>
             </a:r>
             <a:endParaRPr lang="en-US" altLang="zh-TW" sz="5400" b="1" dirty="0" smtClean="0">
               <a:solidFill>
@@ -4453,7 +7113,7 @@
                 <a:latin typeface="微軟正黑體" pitchFamily="34" charset="-120"/>
                 <a:ea typeface="微軟正黑體" pitchFamily="34" charset="-120"/>
               </a:rPr>
-              <a:t>來跟隨你的話語</a:t>
+              <a:t>清晨夜晚  徹夜守望</a:t>
             </a:r>
             <a:endParaRPr lang="en-US" altLang="zh-TW" sz="5400" b="1" dirty="0" smtClean="0">
               <a:solidFill>
@@ -4475,75 +7135,29 @@
                 <a:latin typeface="微軟正黑體" pitchFamily="34" charset="-120"/>
                 <a:ea typeface="微軟正黑體" pitchFamily="34" charset="-120"/>
               </a:rPr>
-              <a:t>在萬民中作你的子民</a:t>
-            </a:r>
-            <a:endParaRPr lang="en-US" altLang="zh-TW" sz="5400" b="1" dirty="0" smtClean="0">
-              <a:solidFill>
-                <a:srgbClr val="660033"/>
-              </a:solidFill>
-              <a:latin typeface="微軟正黑體" pitchFamily="34" charset="-120"/>
-              <a:ea typeface="微軟正黑體" pitchFamily="34" charset="-120"/>
-            </a:endParaRPr>
-          </a:p>
-          <a:p>
-            <a:pPr algn="ctr">
-              <a:buNone/>
-            </a:pPr>
-            <a:r>
-              <a:rPr lang="zh-TW" altLang="en-US" sz="5400" b="1" dirty="0" smtClean="0">
-                <a:solidFill>
-                  <a:srgbClr val="660033"/>
-                </a:solidFill>
-                <a:latin typeface="微軟正黑體" pitchFamily="34" charset="-120"/>
-                <a:ea typeface="微軟正黑體" pitchFamily="34" charset="-120"/>
-              </a:rPr>
-              <a:t>主我們謙卑屈膝</a:t>
-            </a:r>
-            <a:endParaRPr lang="en-US" altLang="zh-TW" sz="5400" b="1" dirty="0" smtClean="0">
-              <a:solidFill>
-                <a:srgbClr val="660033"/>
-              </a:solidFill>
-              <a:latin typeface="微軟正黑體" pitchFamily="34" charset="-120"/>
-              <a:ea typeface="微軟正黑體" pitchFamily="34" charset="-120"/>
-            </a:endParaRPr>
-          </a:p>
-          <a:p>
-            <a:pPr algn="ctr">
-              <a:buNone/>
-            </a:pPr>
-            <a:r>
-              <a:rPr lang="zh-TW" altLang="en-US" sz="5400" b="1" dirty="0" smtClean="0">
-                <a:solidFill>
-                  <a:srgbClr val="660033"/>
-                </a:solidFill>
-                <a:latin typeface="微軟正黑體" pitchFamily="34" charset="-120"/>
-                <a:ea typeface="微軟正黑體" pitchFamily="34" charset="-120"/>
-              </a:rPr>
-              <a:t>定意為聖潔國民</a:t>
-            </a:r>
-            <a:endParaRPr lang="en-US" altLang="zh-TW" sz="5400" b="1" dirty="0" smtClean="0">
-              <a:solidFill>
-                <a:srgbClr val="660033"/>
-              </a:solidFill>
-              <a:latin typeface="微軟正黑體" pitchFamily="34" charset="-120"/>
-              <a:ea typeface="微軟正黑體" pitchFamily="34" charset="-120"/>
-            </a:endParaRPr>
-          </a:p>
-          <a:p>
-            <a:pPr algn="ctr">
-              <a:buNone/>
-            </a:pPr>
-            <a:r>
-              <a:rPr lang="zh-TW" altLang="en-US" sz="5400" b="1" dirty="0" smtClean="0">
-                <a:solidFill>
-                  <a:srgbClr val="660033"/>
-                </a:solidFill>
-                <a:latin typeface="微軟正黑體" pitchFamily="34" charset="-120"/>
-                <a:ea typeface="微軟正黑體" pitchFamily="34" charset="-120"/>
-              </a:rPr>
-              <a:t>在萬國中宣揚你聖名</a:t>
-            </a:r>
-            <a:endParaRPr lang="en-US" altLang="zh-TW" sz="5400" b="1" dirty="0" smtClean="0">
+              <a:t>向</a:t>
+            </a:r>
+            <a:r>
+              <a:rPr lang="zh-TW" altLang="en-US" sz="5400" b="1" dirty="0">
+                <a:solidFill>
+                  <a:srgbClr val="660033"/>
+                </a:solidFill>
+                <a:latin typeface="微軟正黑體" pitchFamily="34" charset="-120"/>
+                <a:ea typeface="微軟正黑體" pitchFamily="34" charset="-120"/>
+              </a:rPr>
+              <a:t>你求耶利米的</a:t>
+            </a:r>
+            <a:r>
+              <a:rPr lang="zh-TW" altLang="en-US" sz="5400" b="1" dirty="0" smtClean="0">
+                <a:solidFill>
+                  <a:srgbClr val="660033"/>
+                </a:solidFill>
+                <a:latin typeface="微軟正黑體" pitchFamily="34" charset="-120"/>
+                <a:ea typeface="微軟正黑體" pitchFamily="34" charset="-120"/>
+              </a:rPr>
+              <a:t>心</a:t>
+            </a:r>
+            <a:endParaRPr lang="zh-TW" altLang="en-US" sz="5400" b="1" dirty="0">
               <a:solidFill>
                 <a:srgbClr val="660033"/>
               </a:solidFill>
@@ -4558,6 +7172,13 @@
   <p:clrMapOvr>
     <a:masterClrMapping/>
   </p:clrMapOvr>
+  <p:timing>
+    <p:tnLst>
+      <p:par>
+        <p:cTn id="1" dur="indefinite" restart="never" nodeType="tmRoot"/>
+      </p:par>
+    </p:tnLst>
+  </p:timing>
 </p:sld>
 </file>
 
@@ -4588,74 +7209,63 @@
             <p:ph type="title"/>
           </p:nvPr>
         </p:nvSpPr>
-        <p:spPr>
-          <a:xfrm>
-            <a:off x="500034" y="142852"/>
-            <a:ext cx="8229600" cy="1143000"/>
-          </a:xfrm>
-        </p:spPr>
-        <p:txBody>
-          <a:bodyPr>
-            <a:normAutofit/>
+        <p:spPr/>
+        <p:txBody>
+          <a:bodyPr/>
+          <a:lstStyle/>
+          <a:p>
+            <a:r>
+              <a:rPr lang="zh-TW" altLang="en-US" b="1" dirty="0">
+                <a:solidFill>
+                  <a:srgbClr val="660033"/>
+                </a:solidFill>
+                <a:latin typeface="微軟正黑體" pitchFamily="34" charset="-120"/>
+                <a:ea typeface="微軟正黑體" pitchFamily="34" charset="-120"/>
+              </a:rPr>
+              <a:t>禱告的大軍</a:t>
+            </a:r>
+          </a:p>
+        </p:txBody>
+      </p:sp>
+      <p:sp>
+        <p:nvSpPr>
+          <p:cNvPr id="3" name="內容版面配置區 2"/>
+          <p:cNvSpPr>
+            <a:spLocks noGrp="1"/>
+          </p:cNvSpPr>
+          <p:nvPr>
+            <p:ph idx="1"/>
+          </p:nvPr>
+        </p:nvSpPr>
+        <p:spPr/>
+        <p:txBody>
+          <a:bodyPr anchor="ctr">
+            <a:noAutofit/>
           </a:bodyPr>
           <a:lstStyle/>
           <a:p>
-            <a:r>
-              <a:rPr lang="zh-TW" altLang="en-US" b="1" dirty="0" smtClean="0">
-                <a:solidFill>
-                  <a:srgbClr val="660033"/>
-                </a:solidFill>
-                <a:latin typeface="微軟正黑體" pitchFamily="34" charset="-120"/>
-                <a:ea typeface="微軟正黑體" pitchFamily="34" charset="-120"/>
-                <a:cs typeface="+mn-cs"/>
-              </a:rPr>
-              <a:t>願你榮耀國度降臨</a:t>
-            </a:r>
-            <a:endParaRPr lang="zh-TW" altLang="en-US" b="1" dirty="0">
-              <a:solidFill>
-                <a:srgbClr val="660033"/>
-              </a:solidFill>
-              <a:latin typeface="微軟正黑體" pitchFamily="34" charset="-120"/>
-              <a:ea typeface="微軟正黑體" pitchFamily="34" charset="-120"/>
-              <a:cs typeface="+mn-cs"/>
-            </a:endParaRPr>
-          </a:p>
-        </p:txBody>
-      </p:sp>
-      <p:sp>
-        <p:nvSpPr>
-          <p:cNvPr id="3" name="內容版面配置區 2"/>
-          <p:cNvSpPr>
-            <a:spLocks noGrp="1"/>
-          </p:cNvSpPr>
-          <p:nvPr>
-            <p:ph idx="1"/>
-          </p:nvPr>
-        </p:nvSpPr>
-        <p:spPr>
-          <a:xfrm>
-            <a:off x="428596" y="1314472"/>
-            <a:ext cx="8429684" cy="5257800"/>
-          </a:xfrm>
-        </p:spPr>
-        <p:txBody>
-          <a:bodyPr>
-            <a:normAutofit/>
-          </a:bodyPr>
-          <a:lstStyle/>
-          <a:p>
-            <a:pPr algn="ctr">
-              <a:buNone/>
-            </a:pPr>
-            <a:r>
-              <a:rPr lang="zh-TW" altLang="en-US" sz="5400" b="1" dirty="0" smtClean="0">
-                <a:solidFill>
-                  <a:srgbClr val="660033"/>
-                </a:solidFill>
-                <a:latin typeface="微軟正黑體" pitchFamily="34" charset="-120"/>
-                <a:ea typeface="微軟正黑體" pitchFamily="34" charset="-120"/>
-              </a:rPr>
-              <a:t>願你榮耀國度降臨我們中間</a:t>
+            <a:pPr algn="ctr">
+              <a:buNone/>
+            </a:pPr>
+            <a:r>
+              <a:rPr lang="zh-TW" altLang="en-US" sz="5400" b="1" dirty="0">
+                <a:solidFill>
+                  <a:srgbClr val="660033"/>
+                </a:solidFill>
+                <a:latin typeface="微軟正黑體" pitchFamily="34" charset="-120"/>
+                <a:ea typeface="微軟正黑體" pitchFamily="34" charset="-120"/>
+              </a:rPr>
+              <a:t>大聲呼</a:t>
+            </a:r>
+            <a:r>
+              <a:rPr lang="zh-TW" altLang="en-US" sz="5400" b="1" dirty="0" smtClean="0">
+                <a:solidFill>
+                  <a:srgbClr val="660033"/>
+                </a:solidFill>
+                <a:latin typeface="微軟正黑體" pitchFamily="34" charset="-120"/>
+                <a:ea typeface="微軟正黑體" pitchFamily="34" charset="-120"/>
+              </a:rPr>
+              <a:t>求  永不放棄</a:t>
             </a:r>
             <a:endParaRPr lang="en-US" altLang="zh-TW" sz="5400" b="1" dirty="0" smtClean="0">
               <a:solidFill>
@@ -4677,7 +7287,7 @@
                 <a:latin typeface="微軟正黑體" pitchFamily="34" charset="-120"/>
                 <a:ea typeface="微軟正黑體" pitchFamily="34" charset="-120"/>
               </a:rPr>
-              <a:t>聖靈降下焚燒眾人心靈</a:t>
+              <a:t>清晨夜晚  徹夜守望</a:t>
             </a:r>
             <a:endParaRPr lang="en-US" altLang="zh-TW" sz="5400" b="1" dirty="0" smtClean="0">
               <a:solidFill>
@@ -4699,53 +7309,29 @@
                 <a:latin typeface="微軟正黑體" pitchFamily="34" charset="-120"/>
                 <a:ea typeface="微軟正黑體" pitchFamily="34" charset="-120"/>
               </a:rPr>
-              <a:t>復興我們為失喪靈魂代求</a:t>
-            </a:r>
-            <a:endParaRPr lang="en-US" altLang="zh-TW" sz="5400" b="1" dirty="0" smtClean="0">
-              <a:solidFill>
-                <a:srgbClr val="660033"/>
-              </a:solidFill>
-              <a:latin typeface="微軟正黑體" pitchFamily="34" charset="-120"/>
-              <a:ea typeface="微軟正黑體" pitchFamily="34" charset="-120"/>
-            </a:endParaRPr>
-          </a:p>
-          <a:p>
-            <a:pPr algn="ctr">
-              <a:buNone/>
-            </a:pPr>
-            <a:r>
-              <a:rPr lang="zh-TW" altLang="en-US" sz="5400" b="1" dirty="0" smtClean="0">
-                <a:solidFill>
-                  <a:srgbClr val="660033"/>
-                </a:solidFill>
-                <a:latin typeface="微軟正黑體" pitchFamily="34" charset="-120"/>
-                <a:ea typeface="微軟正黑體" pitchFamily="34" charset="-120"/>
-              </a:rPr>
-              <a:t>悔改你寶座前同心合意</a:t>
-            </a:r>
-            <a:endParaRPr lang="en-US" altLang="zh-TW" sz="5400" b="1" dirty="0" smtClean="0">
-              <a:solidFill>
-                <a:srgbClr val="660033"/>
-              </a:solidFill>
-              <a:latin typeface="微軟正黑體" pitchFamily="34" charset="-120"/>
-              <a:ea typeface="微軟正黑體" pitchFamily="34" charset="-120"/>
-            </a:endParaRPr>
-          </a:p>
-          <a:p>
-            <a:pPr algn="ctr">
-              <a:buNone/>
-            </a:pPr>
-            <a:r>
-              <a:rPr lang="zh-TW" altLang="en-US" sz="5400" b="1" dirty="0" smtClean="0">
-                <a:solidFill>
-                  <a:srgbClr val="660033"/>
-                </a:solidFill>
-                <a:latin typeface="微軟正黑體" pitchFamily="34" charset="-120"/>
-                <a:ea typeface="微軟正黑體" pitchFamily="34" charset="-120"/>
-              </a:rPr>
-              <a:t>剛強壯膽往普天下去</a:t>
-            </a:r>
-            <a:endParaRPr lang="en-US" altLang="zh-TW" sz="5400" b="1" dirty="0" smtClean="0">
+              <a:t>將</a:t>
+            </a:r>
+            <a:r>
+              <a:rPr lang="zh-TW" altLang="en-US" sz="5400" b="1" dirty="0">
+                <a:solidFill>
+                  <a:srgbClr val="660033"/>
+                </a:solidFill>
+                <a:latin typeface="微軟正黑體" pitchFamily="34" charset="-120"/>
+                <a:ea typeface="微軟正黑體" pitchFamily="34" charset="-120"/>
+              </a:rPr>
+              <a:t>你心意釋放這</a:t>
+            </a:r>
+            <a:r>
+              <a:rPr lang="zh-TW" altLang="en-US" sz="5400" b="1" dirty="0" smtClean="0">
+                <a:solidFill>
+                  <a:srgbClr val="660033"/>
+                </a:solidFill>
+                <a:latin typeface="微軟正黑體" pitchFamily="34" charset="-120"/>
+                <a:ea typeface="微軟正黑體" pitchFamily="34" charset="-120"/>
+              </a:rPr>
+              <a:t>世代</a:t>
+            </a:r>
+            <a:endParaRPr lang="zh-TW" altLang="en-US" sz="5400" b="1" dirty="0">
               <a:solidFill>
                 <a:srgbClr val="660033"/>
               </a:solidFill>
@@ -4760,6 +7346,13 @@
   <p:clrMapOvr>
     <a:masterClrMapping/>
   </p:clrMapOvr>
+  <p:timing>
+    <p:tnLst>
+      <p:par>
+        <p:cTn id="1" dur="indefinite" restart="never" nodeType="tmRoot"/>
+      </p:par>
+    </p:tnLst>
+  </p:timing>
 </p:sld>
 </file>
 
@@ -4790,74 +7383,73 @@
             <p:ph type="title"/>
           </p:nvPr>
         </p:nvSpPr>
-        <p:spPr>
-          <a:xfrm>
-            <a:off x="500034" y="142852"/>
-            <a:ext cx="8229600" cy="1143000"/>
-          </a:xfrm>
-        </p:spPr>
-        <p:txBody>
-          <a:bodyPr>
-            <a:normAutofit/>
+        <p:spPr/>
+        <p:txBody>
+          <a:bodyPr/>
+          <a:lstStyle/>
+          <a:p>
+            <a:r>
+              <a:rPr lang="zh-TW" altLang="en-US" b="1" dirty="0">
+                <a:solidFill>
+                  <a:srgbClr val="660033"/>
+                </a:solidFill>
+                <a:latin typeface="微軟正黑體" pitchFamily="34" charset="-120"/>
+                <a:ea typeface="微軟正黑體" pitchFamily="34" charset="-120"/>
+              </a:rPr>
+              <a:t>禱告的大軍</a:t>
+            </a:r>
+          </a:p>
+        </p:txBody>
+      </p:sp>
+      <p:sp>
+        <p:nvSpPr>
+          <p:cNvPr id="3" name="內容版面配置區 2"/>
+          <p:cNvSpPr>
+            <a:spLocks noGrp="1"/>
+          </p:cNvSpPr>
+          <p:nvPr>
+            <p:ph idx="1"/>
+          </p:nvPr>
+        </p:nvSpPr>
+        <p:spPr/>
+        <p:txBody>
+          <a:bodyPr anchor="ctr">
+            <a:noAutofit/>
           </a:bodyPr>
           <a:lstStyle/>
           <a:p>
-            <a:r>
-              <a:rPr lang="zh-TW" altLang="en-US" b="1" dirty="0" smtClean="0">
-                <a:solidFill>
-                  <a:srgbClr val="660033"/>
-                </a:solidFill>
-                <a:latin typeface="微軟正黑體" pitchFamily="34" charset="-120"/>
-                <a:ea typeface="微軟正黑體" pitchFamily="34" charset="-120"/>
-                <a:cs typeface="+mn-cs"/>
-              </a:rPr>
-              <a:t>願你榮耀國度降臨</a:t>
-            </a:r>
-            <a:endParaRPr lang="zh-TW" altLang="en-US" b="1" dirty="0">
-              <a:solidFill>
-                <a:srgbClr val="660033"/>
-              </a:solidFill>
-              <a:latin typeface="微軟正黑體" pitchFamily="34" charset="-120"/>
-              <a:ea typeface="微軟正黑體" pitchFamily="34" charset="-120"/>
-              <a:cs typeface="+mn-cs"/>
-            </a:endParaRPr>
-          </a:p>
-        </p:txBody>
-      </p:sp>
-      <p:sp>
-        <p:nvSpPr>
-          <p:cNvPr id="3" name="內容版面配置區 2"/>
-          <p:cNvSpPr>
-            <a:spLocks noGrp="1"/>
-          </p:cNvSpPr>
-          <p:nvPr>
-            <p:ph idx="1"/>
-          </p:nvPr>
-        </p:nvSpPr>
-        <p:spPr>
-          <a:xfrm>
-            <a:off x="428596" y="1314472"/>
-            <a:ext cx="8429684" cy="5257800"/>
-          </a:xfrm>
-        </p:spPr>
-        <p:txBody>
-          <a:bodyPr>
-            <a:normAutofit/>
-          </a:bodyPr>
-          <a:lstStyle/>
-          <a:p>
-            <a:pPr algn="ctr">
-              <a:buNone/>
-            </a:pPr>
-            <a:r>
-              <a:rPr lang="zh-TW" altLang="en-US" sz="5400" b="1" dirty="0" smtClean="0">
-                <a:solidFill>
-                  <a:srgbClr val="660033"/>
-                </a:solidFill>
-                <a:latin typeface="微軟正黑體" pitchFamily="34" charset="-120"/>
-                <a:ea typeface="微軟正黑體" pitchFamily="34" charset="-120"/>
-              </a:rPr>
-              <a:t>願你榮耀國度降臨我們中間</a:t>
+            <a:pPr algn="ctr">
+              <a:buNone/>
+            </a:pPr>
+            <a:r>
+              <a:rPr lang="zh-TW" altLang="en-US" sz="5400" b="1" dirty="0" smtClean="0">
+                <a:solidFill>
+                  <a:srgbClr val="660033"/>
+                </a:solidFill>
+                <a:latin typeface="微軟正黑體" pitchFamily="34" charset="-120"/>
+                <a:ea typeface="微軟正黑體" pitchFamily="34" charset="-120"/>
+              </a:rPr>
+              <a:t>大聲</a:t>
+            </a:r>
+            <a:r>
+              <a:rPr lang="zh-TW" altLang="en-US" sz="5400" b="1" dirty="0">
+                <a:solidFill>
+                  <a:srgbClr val="660033"/>
+                </a:solidFill>
+                <a:latin typeface="微軟正黑體" pitchFamily="34" charset="-120"/>
+                <a:ea typeface="微軟正黑體" pitchFamily="34" charset="-120"/>
+              </a:rPr>
+              <a:t>呼</a:t>
+            </a:r>
+            <a:r>
+              <a:rPr lang="zh-TW" altLang="en-US" sz="5400" b="1" dirty="0" smtClean="0">
+                <a:solidFill>
+                  <a:srgbClr val="660033"/>
+                </a:solidFill>
+                <a:latin typeface="微軟正黑體" pitchFamily="34" charset="-120"/>
+                <a:ea typeface="微軟正黑體" pitchFamily="34" charset="-120"/>
+              </a:rPr>
+              <a:t>求  永不放棄</a:t>
             </a:r>
             <a:endParaRPr lang="en-US" altLang="zh-TW" sz="5400" b="1" dirty="0" smtClean="0">
               <a:solidFill>
@@ -4879,7 +7471,7 @@
                 <a:latin typeface="微軟正黑體" pitchFamily="34" charset="-120"/>
                 <a:ea typeface="微軟正黑體" pitchFamily="34" charset="-120"/>
               </a:rPr>
-              <a:t>聖靈降下焚燒眾人心靈</a:t>
+              <a:t>清晨夜晚  徹夜守望</a:t>
             </a:r>
             <a:endParaRPr lang="en-US" altLang="zh-TW" sz="5400" b="1" dirty="0" smtClean="0">
               <a:solidFill>
@@ -4901,53 +7493,35 @@
                 <a:latin typeface="微軟正黑體" pitchFamily="34" charset="-120"/>
                 <a:ea typeface="微軟正黑體" pitchFamily="34" charset="-120"/>
               </a:rPr>
-              <a:t>復興我們為失喪靈魂代求</a:t>
-            </a:r>
-            <a:endParaRPr lang="en-US" altLang="zh-TW" sz="5400" b="1" dirty="0" smtClean="0">
-              <a:solidFill>
-                <a:srgbClr val="660033"/>
-              </a:solidFill>
-              <a:latin typeface="微軟正黑體" pitchFamily="34" charset="-120"/>
-              <a:ea typeface="微軟正黑體" pitchFamily="34" charset="-120"/>
-            </a:endParaRPr>
-          </a:p>
-          <a:p>
-            <a:pPr algn="ctr">
-              <a:buNone/>
-            </a:pPr>
-            <a:r>
-              <a:rPr lang="zh-TW" altLang="en-US" sz="5400" b="1" dirty="0" smtClean="0">
-                <a:solidFill>
-                  <a:srgbClr val="660033"/>
-                </a:solidFill>
-                <a:latin typeface="微軟正黑體" pitchFamily="34" charset="-120"/>
-                <a:ea typeface="微軟正黑體" pitchFamily="34" charset="-120"/>
-              </a:rPr>
-              <a:t>建立你的教會傳揚福音</a:t>
-            </a:r>
-            <a:endParaRPr lang="en-US" altLang="zh-TW" sz="5400" b="1" dirty="0" smtClean="0">
-              <a:solidFill>
-                <a:srgbClr val="660033"/>
-              </a:solidFill>
-              <a:latin typeface="微軟正黑體" pitchFamily="34" charset="-120"/>
-              <a:ea typeface="微軟正黑體" pitchFamily="34" charset="-120"/>
-            </a:endParaRPr>
-          </a:p>
-          <a:p>
-            <a:pPr algn="ctr">
-              <a:buNone/>
-            </a:pPr>
-            <a:r>
-              <a:rPr lang="zh-TW" altLang="en-US" sz="5400" b="1" dirty="0" smtClean="0">
-                <a:solidFill>
-                  <a:srgbClr val="660033"/>
-                </a:solidFill>
-                <a:latin typeface="微軟正黑體" pitchFamily="34" charset="-120"/>
-                <a:ea typeface="微軟正黑體" pitchFamily="34" charset="-120"/>
-              </a:rPr>
-              <a:t>願你榮耀在全地彰顯</a:t>
-            </a:r>
-            <a:endParaRPr lang="zh-TW" altLang="en-US" sz="5400" dirty="0" smtClean="0"/>
+              <a:t>向</a:t>
+            </a:r>
+            <a:r>
+              <a:rPr lang="zh-TW" altLang="en-US" sz="5400" b="1" dirty="0">
+                <a:solidFill>
+                  <a:srgbClr val="660033"/>
+                </a:solidFill>
+                <a:latin typeface="微軟正黑體" pitchFamily="34" charset="-120"/>
+                <a:ea typeface="微軟正黑體" pitchFamily="34" charset="-120"/>
+              </a:rPr>
+              <a:t>你求耶利米的</a:t>
+            </a:r>
+            <a:r>
+              <a:rPr lang="zh-TW" altLang="en-US" sz="5400" b="1" dirty="0" smtClean="0">
+                <a:solidFill>
+                  <a:srgbClr val="660033"/>
+                </a:solidFill>
+                <a:latin typeface="微軟正黑體" pitchFamily="34" charset="-120"/>
+                <a:ea typeface="微軟正黑體" pitchFamily="34" charset="-120"/>
+              </a:rPr>
+              <a:t>心</a:t>
+            </a:r>
+            <a:endParaRPr lang="zh-TW" altLang="en-US" sz="5400" b="1" dirty="0">
+              <a:solidFill>
+                <a:srgbClr val="660033"/>
+              </a:solidFill>
+              <a:latin typeface="微軟正黑體" pitchFamily="34" charset="-120"/>
+              <a:ea typeface="微軟正黑體" pitchFamily="34" charset="-120"/>
+            </a:endParaRPr>
           </a:p>
         </p:txBody>
       </p:sp>
@@ -4956,6 +7530,13 @@
   <p:clrMapOvr>
     <a:masterClrMapping/>
   </p:clrMapOvr>
+  <p:timing>
+    <p:tnLst>
+      <p:par>
+        <p:cTn id="1" dur="indefinite" restart="never" nodeType="tmRoot"/>
+      </p:par>
+    </p:tnLst>
+  </p:timing>
 </p:sld>
 </file>
 
